--- a/thesis/abs/CSN_BaoCao.pptx
+++ b/thesis/abs/CSN_BaoCao.pptx
@@ -20,9 +20,8 @@
     <p:sldId id="274" r:id="rId14"/>
     <p:sldId id="271" r:id="rId15"/>
     <p:sldId id="265" r:id="rId16"/>
-    <p:sldId id="272" r:id="rId17"/>
-    <p:sldId id="273" r:id="rId18"/>
-    <p:sldId id="266" r:id="rId19"/>
+    <p:sldId id="273" r:id="rId17"/>
+    <p:sldId id="266" r:id="rId18"/>
   </p:sldIdLst>
   <p:sldSz cx="12192000" cy="6858000"/>
   <p:notesSz cx="6858000" cy="9144000"/>
@@ -875,7 +874,7 @@
             <a:fld id="{B61BEF0D-F0BB-DE4B-95CE-6DB70DBA9567}" type="datetimeFigureOut">
               <a:rPr lang="en-US"/>
               <a:pPr/>
-              <a:t>12/27/2024</a:t>
+              <a:t>1/8/2025</a:t>
             </a:fld>
             <a:endParaRPr lang="en-US"/>
           </a:p>
@@ -1123,7 +1122,7 @@
             <a:fld id="{B61BEF0D-F0BB-DE4B-95CE-6DB70DBA9567}" type="datetimeFigureOut">
               <a:rPr lang="en-US"/>
               <a:pPr/>
-              <a:t>12/27/2024</a:t>
+              <a:t>1/8/2025</a:t>
             </a:fld>
             <a:endParaRPr lang="en-US"/>
           </a:p>
@@ -1434,7 +1433,7 @@
             <a:fld id="{B61BEF0D-F0BB-DE4B-95CE-6DB70DBA9567}" type="datetimeFigureOut">
               <a:rPr lang="en-US"/>
               <a:pPr/>
-              <a:t>12/27/2024</a:t>
+              <a:t>1/8/2025</a:t>
             </a:fld>
             <a:endParaRPr lang="en-US"/>
           </a:p>
@@ -1764,7 +1763,7 @@
             <a:fld id="{B61BEF0D-F0BB-DE4B-95CE-6DB70DBA9567}" type="datetimeFigureOut">
               <a:rPr lang="en-US"/>
               <a:pPr/>
-              <a:t>12/27/2024</a:t>
+              <a:t>1/8/2025</a:t>
             </a:fld>
             <a:endParaRPr lang="en-US"/>
           </a:p>
@@ -2075,7 +2074,7 @@
             <a:fld id="{B61BEF0D-F0BB-DE4B-95CE-6DB70DBA9567}" type="datetimeFigureOut">
               <a:rPr lang="en-US"/>
               <a:pPr/>
-              <a:t>12/27/2024</a:t>
+              <a:t>1/8/2025</a:t>
             </a:fld>
             <a:endParaRPr lang="en-US"/>
           </a:p>
@@ -2465,7 +2464,7 @@
             <a:fld id="{B61BEF0D-F0BB-DE4B-95CE-6DB70DBA9567}" type="datetimeFigureOut">
               <a:rPr lang="en-US"/>
               <a:pPr/>
-              <a:t>12/27/2024</a:t>
+              <a:t>1/8/2025</a:t>
             </a:fld>
             <a:endParaRPr lang="en-US"/>
           </a:p>
@@ -2631,7 +2630,7 @@
           <a:p>
             <a:fld id="{55C6B4A9-1611-4792-9094-5F34BCA07E0B}" type="datetimeFigureOut">
               <a:rPr lang="en-US"/>
-              <a:t>12/27/2024</a:t>
+              <a:t>1/8/2025</a:t>
             </a:fld>
             <a:endParaRPr lang="en-US"/>
           </a:p>
@@ -2807,7 +2806,7 @@
             <a:fld id="{B61BEF0D-F0BB-DE4B-95CE-6DB70DBA9567}" type="datetimeFigureOut">
               <a:rPr lang="en-US"/>
               <a:pPr/>
-              <a:t>12/27/2024</a:t>
+              <a:t>1/8/2025</a:t>
             </a:fld>
             <a:endParaRPr lang="en-US"/>
           </a:p>
@@ -3019,7 +3018,7 @@
           <a:p>
             <a:fld id="{42A54C80-263E-416B-A8E0-580EDEADCBDC}" type="datetimeFigureOut">
               <a:rPr lang="en-US"/>
-              <a:t>12/27/2024</a:t>
+              <a:t>1/8/2025</a:t>
             </a:fld>
             <a:endParaRPr lang="en-US"/>
           </a:p>
@@ -3262,7 +3261,7 @@
             <a:fld id="{B61BEF0D-F0BB-DE4B-95CE-6DB70DBA9567}" type="datetimeFigureOut">
               <a:rPr lang="en-US"/>
               <a:pPr/>
-              <a:t>12/27/2024</a:t>
+              <a:t>1/8/2025</a:t>
             </a:fld>
             <a:endParaRPr lang="en-US"/>
           </a:p>
@@ -3490,7 +3489,7 @@
           <a:p>
             <a:fld id="{42A54C80-263E-416B-A8E0-580EDEADCBDC}" type="datetimeFigureOut">
               <a:rPr lang="en-US"/>
-              <a:t>12/27/2024</a:t>
+              <a:t>1/8/2025</a:t>
             </a:fld>
             <a:endParaRPr lang="en-US"/>
           </a:p>
@@ -3860,7 +3859,7 @@
             <a:fld id="{B61BEF0D-F0BB-DE4B-95CE-6DB70DBA9567}" type="datetimeFigureOut">
               <a:rPr lang="en-US"/>
               <a:pPr/>
-              <a:t>12/27/2024</a:t>
+              <a:t>1/8/2025</a:t>
             </a:fld>
             <a:endParaRPr lang="en-US"/>
           </a:p>
@@ -3980,7 +3979,7 @@
             <a:fld id="{B61BEF0D-F0BB-DE4B-95CE-6DB70DBA9567}" type="datetimeFigureOut">
               <a:rPr lang="en-US"/>
               <a:pPr/>
-              <a:t>12/27/2024</a:t>
+              <a:t>1/8/2025</a:t>
             </a:fld>
             <a:endParaRPr lang="en-US"/>
           </a:p>
@@ -4072,7 +4071,7 @@
             <a:fld id="{B61BEF0D-F0BB-DE4B-95CE-6DB70DBA9567}" type="datetimeFigureOut">
               <a:rPr lang="en-US"/>
               <a:pPr/>
-              <a:t>12/27/2024</a:t>
+              <a:t>1/8/2025</a:t>
             </a:fld>
             <a:endParaRPr lang="en-US"/>
           </a:p>
@@ -4323,7 +4322,7 @@
           <a:p>
             <a:fld id="{42A54C80-263E-416B-A8E0-580EDEADCBDC}" type="datetimeFigureOut">
               <a:rPr lang="en-US"/>
-              <a:t>12/27/2024</a:t>
+              <a:t>1/8/2025</a:t>
             </a:fld>
             <a:endParaRPr lang="en-US"/>
           </a:p>
@@ -4624,7 +4623,7 @@
             <a:fld id="{B61BEF0D-F0BB-DE4B-95CE-6DB70DBA9567}" type="datetimeFigureOut">
               <a:rPr lang="en-US"/>
               <a:pPr/>
-              <a:t>12/27/2024</a:t>
+              <a:t>1/8/2025</a:t>
             </a:fld>
             <a:endParaRPr lang="en-US"/>
           </a:p>
@@ -5322,7 +5321,7 @@
             <a:fld id="{B61BEF0D-F0BB-DE4B-95CE-6DB70DBA9567}" type="datetimeFigureOut">
               <a:rPr lang="en-US"/>
               <a:pPr/>
-              <a:t>12/27/2024</a:t>
+              <a:t>1/8/2025</a:t>
             </a:fld>
             <a:endParaRPr lang="en-US"/>
           </a:p>
@@ -6450,7 +6449,7 @@
           <a:lstStyle/>
           <a:p>
             <a:r>
-              <a:rPr lang="vi-VN"/>
+              <a:rPr lang="vi-VN" b="1"/>
               <a:t>THỰC HIỆN HÓA ĐỀ TÀI</a:t>
             </a:r>
           </a:p>
@@ -6585,7 +6584,7 @@
           <a:lstStyle/>
           <a:p>
             <a:r>
-              <a:rPr lang="vi-VN"/>
+              <a:rPr lang="vi-VN" b="1"/>
               <a:t>THỰC HIỆN HÓA ĐỀ TÀI</a:t>
             </a:r>
           </a:p>
@@ -6720,7 +6719,7 @@
           <a:lstStyle/>
           <a:p>
             <a:r>
-              <a:rPr lang="vi-VN"/>
+              <a:rPr lang="vi-VN" b="1"/>
               <a:t>THỰC HIỆN HÓA ĐỀ TÀI</a:t>
             </a:r>
           </a:p>
@@ -6962,7 +6961,7 @@
           <a:lstStyle/>
           <a:p>
             <a:r>
-              <a:rPr lang="vi-VN"/>
+              <a:rPr lang="vi-VN" b="1"/>
               <a:t>THỰC HIỆN HÓA ĐỀ TÀI</a:t>
             </a:r>
           </a:p>
@@ -7064,8 +7063,8 @@
         </p:blipFill>
         <p:spPr>
           <a:xfrm>
-            <a:off x="754634" y="2617074"/>
-            <a:ext cx="8243062" cy="1918350"/>
+            <a:off x="754633" y="2617074"/>
+            <a:ext cx="8518101" cy="1982358"/>
           </a:xfrm>
           <a:prstGeom prst="rect">
             <a:avLst/>
@@ -7259,7 +7258,7 @@
           <a:lstStyle/>
           <a:p>
             <a:r>
-              <a:rPr lang="vi-VN"/>
+              <a:rPr lang="vi-VN" b="1"/>
               <a:t>KẾT QUẢ</a:t>
             </a:r>
           </a:p>
@@ -7394,7 +7393,7 @@
           <a:lstStyle/>
           <a:p>
             <a:r>
-              <a:rPr lang="vi-VN"/>
+              <a:rPr lang="vi-VN" b="1"/>
               <a:t>TỔNG KẾT</a:t>
             </a:r>
           </a:p>
@@ -7424,18 +7423,6 @@
             <a:r>
               <a:rPr lang="vi-VN"/>
               <a:t>KẾT QUẢ ĐẠT ĐƯỢC:</a:t>
-            </a:r>
-          </a:p>
-          <a:p>
-            <a:pPr marL="0" indent="0">
-              <a:lnSpc>
-                <a:spcPct val="150000"/>
-              </a:lnSpc>
-              <a:buNone/>
-            </a:pPr>
-            <a:r>
-              <a:rPr lang="vi-VN"/>
-              <a:t>1. Về công nghệ:</a:t>
             </a:r>
           </a:p>
           <a:p>
@@ -7504,201 +7491,6 @@
 </file>
 
 <file path=ppt/slides/slide16.xml><?xml version="1.0" encoding="utf-8"?>
-<p:sld xmlns:a="http://schemas.openxmlformats.org/drawingml/2006/main" xmlns:r="http://schemas.openxmlformats.org/officeDocument/2006/relationships" xmlns:p="http://schemas.openxmlformats.org/presentationml/2006/main">
-  <p:cSld>
-    <p:spTree>
-      <p:nvGrpSpPr>
-        <p:cNvPr id="1" name="">
-          <a:extLst>
-            <a:ext uri="{FF2B5EF4-FFF2-40B4-BE49-F238E27FC236}">
-              <a16:creationId xmlns:a16="http://schemas.microsoft.com/office/drawing/2014/main" id="{CBB2D664-8F4A-1A0D-5400-8487B8A2461E}"/>
-            </a:ext>
-          </a:extLst>
-        </p:cNvPr>
-        <p:cNvGrpSpPr/>
-        <p:nvPr/>
-      </p:nvGrpSpPr>
-      <p:grpSpPr>
-        <a:xfrm>
-          <a:off x="0" y="0"/>
-          <a:ext cx="0" cy="0"/>
-          <a:chOff x="0" y="0"/>
-          <a:chExt cx="0" cy="0"/>
-        </a:xfrm>
-      </p:grpSpPr>
-      <p:sp>
-        <p:nvSpPr>
-          <p:cNvPr id="2" name="Title 1">
-            <a:extLst>
-              <a:ext uri="{FF2B5EF4-FFF2-40B4-BE49-F238E27FC236}">
-                <a16:creationId xmlns:a16="http://schemas.microsoft.com/office/drawing/2014/main" id="{FB4C65E0-3739-704A-E5A6-7E38255E5DB5}"/>
-              </a:ext>
-            </a:extLst>
-          </p:cNvPr>
-          <p:cNvSpPr>
-            <a:spLocks noGrp="1"/>
-          </p:cNvSpPr>
-          <p:nvPr>
-            <p:ph type="title"/>
-          </p:nvPr>
-        </p:nvSpPr>
-        <p:spPr/>
-        <p:txBody>
-          <a:bodyPr/>
-          <a:lstStyle/>
-          <a:p>
-            <a:r>
-              <a:rPr lang="vi-VN"/>
-              <a:t>TỔNG KẾT</a:t>
-            </a:r>
-          </a:p>
-        </p:txBody>
-      </p:sp>
-      <p:sp>
-        <p:nvSpPr>
-          <p:cNvPr id="3" name="Content Placeholder 2">
-            <a:extLst>
-              <a:ext uri="{FF2B5EF4-FFF2-40B4-BE49-F238E27FC236}">
-                <a16:creationId xmlns:a16="http://schemas.microsoft.com/office/drawing/2014/main" id="{236A6344-9BA1-49BC-9CB2-1C88E8536809}"/>
-              </a:ext>
-            </a:extLst>
-          </p:cNvPr>
-          <p:cNvSpPr>
-            <a:spLocks noGrp="1"/>
-          </p:cNvSpPr>
-          <p:nvPr>
-            <p:ph idx="1"/>
-          </p:nvPr>
-        </p:nvSpPr>
-        <p:spPr>
-          <a:xfrm>
-            <a:off x="594360" y="2057401"/>
-            <a:ext cx="9208008" cy="4553712"/>
-          </a:xfrm>
-        </p:spPr>
-        <p:txBody>
-          <a:bodyPr>
-            <a:normAutofit lnSpcReduction="10000"/>
-          </a:bodyPr>
-          <a:lstStyle/>
-          <a:p>
-            <a:pPr>
-              <a:lnSpc>
-                <a:spcPct val="150000"/>
-              </a:lnSpc>
-            </a:pPr>
-            <a:r>
-              <a:rPr lang="vi-VN"/>
-              <a:t>KẾT QUẢ ĐẠT ĐƯỢC:</a:t>
-            </a:r>
-          </a:p>
-          <a:p>
-            <a:pPr marL="0" indent="0">
-              <a:lnSpc>
-                <a:spcPct val="150000"/>
-              </a:lnSpc>
-              <a:buNone/>
-            </a:pPr>
-            <a:r>
-              <a:rPr lang="vi-VN"/>
-              <a:t>2. Về kỹ năng:</a:t>
-            </a:r>
-          </a:p>
-          <a:p>
-            <a:pPr lvl="1" fontAlgn="base">
-              <a:lnSpc>
-                <a:spcPct val="150000"/>
-              </a:lnSpc>
-              <a:buFont typeface="Arial" panose="020B0604020202020204" pitchFamily="34" charset="0"/>
-              <a:buChar char="•"/>
-            </a:pPr>
-            <a:r>
-              <a:rPr lang="vi-VN" b="0" i="0" u="none" strike="noStrike">
-                <a:solidFill>
-                  <a:srgbClr val="000000"/>
-                </a:solidFill>
-                <a:effectLst/>
-                <a:latin typeface="+mj-lt"/>
-              </a:rPr>
-              <a:t>Kỹ năng tìm hiểu, phân tích, giải quyết vấn đề</a:t>
-            </a:r>
-          </a:p>
-          <a:p>
-            <a:pPr lvl="1" fontAlgn="base">
-              <a:lnSpc>
-                <a:spcPct val="150000"/>
-              </a:lnSpc>
-              <a:buFont typeface="Arial" panose="020B0604020202020204" pitchFamily="34" charset="0"/>
-              <a:buChar char="•"/>
-            </a:pPr>
-            <a:r>
-              <a:rPr lang="vi-VN" b="0" i="0" u="none" strike="noStrike">
-                <a:solidFill>
-                  <a:srgbClr val="000000"/>
-                </a:solidFill>
-                <a:effectLst/>
-                <a:latin typeface="+mj-lt"/>
-              </a:rPr>
-              <a:t>Tính tự chủ trong công việc.</a:t>
-            </a:r>
-          </a:p>
-          <a:p>
-            <a:pPr lvl="1" fontAlgn="base">
-              <a:lnSpc>
-                <a:spcPct val="150000"/>
-              </a:lnSpc>
-              <a:buFont typeface="Arial" panose="020B0604020202020204" pitchFamily="34" charset="0"/>
-              <a:buChar char="•"/>
-            </a:pPr>
-            <a:r>
-              <a:rPr lang="vi-VN" b="0" i="0" u="none" strike="noStrike">
-                <a:solidFill>
-                  <a:srgbClr val="000000"/>
-                </a:solidFill>
-                <a:effectLst/>
-                <a:latin typeface="+mj-lt"/>
-              </a:rPr>
-              <a:t>Tính kiên trì trong công việc.</a:t>
-            </a:r>
-          </a:p>
-          <a:p>
-            <a:pPr lvl="1" fontAlgn="base">
-              <a:lnSpc>
-                <a:spcPct val="150000"/>
-              </a:lnSpc>
-              <a:buFont typeface="Arial" panose="020B0604020202020204" pitchFamily="34" charset="0"/>
-              <a:buChar char="•"/>
-            </a:pPr>
-            <a:r>
-              <a:rPr lang="vi-VN" b="0" i="0" u="none" strike="noStrike">
-                <a:solidFill>
-                  <a:srgbClr val="000000"/>
-                </a:solidFill>
-                <a:effectLst/>
-                <a:latin typeface="+mj-lt"/>
-              </a:rPr>
-              <a:t>Học hỏi kinh nghiệm, kiến thức từ thầy cô, bạn bè.</a:t>
-            </a:r>
-          </a:p>
-          <a:p>
-            <a:endParaRPr lang="vi-VN"/>
-          </a:p>
-        </p:txBody>
-      </p:sp>
-    </p:spTree>
-    <p:extLst>
-      <p:ext uri="{BB962C8B-B14F-4D97-AF65-F5344CB8AC3E}">
-        <p14:creationId xmlns:p14="http://schemas.microsoft.com/office/powerpoint/2010/main" val="3444200257"/>
-      </p:ext>
-    </p:extLst>
-  </p:cSld>
-  <p:clrMapOvr>
-    <a:masterClrMapping/>
-  </p:clrMapOvr>
-</p:sld>
-</file>
-
-<file path=ppt/slides/slide17.xml><?xml version="1.0" encoding="utf-8"?>
 <p:sld xmlns:a="http://schemas.openxmlformats.org/drawingml/2006/main" xmlns:r="http://schemas.openxmlformats.org/officeDocument/2006/relationships" xmlns:p="http://schemas.openxmlformats.org/presentationml/2006/main">
   <p:cSld>
     <p:spTree>
@@ -7743,7 +7535,7 @@
           <a:lstStyle/>
           <a:p>
             <a:r>
-              <a:rPr lang="vi-VN"/>
+              <a:rPr lang="vi-VN" b="1"/>
               <a:t>TỔNG KẾT</a:t>
             </a:r>
           </a:p>
@@ -7825,7 +7617,7 @@
 </p:sld>
 </file>
 
-<file path=ppt/slides/slide18.xml><?xml version="1.0" encoding="utf-8"?>
+<file path=ppt/slides/slide17.xml><?xml version="1.0" encoding="utf-8"?>
 <p:sld xmlns:a="http://schemas.openxmlformats.org/drawingml/2006/main" xmlns:r="http://schemas.openxmlformats.org/officeDocument/2006/relationships" xmlns:p="http://schemas.openxmlformats.org/presentationml/2006/main">
   <p:cSld>
     <p:spTree>
@@ -7870,14 +7662,14 @@
           <a:p>
             <a:pPr algn="ctr"/>
             <a:r>
-              <a:rPr lang="vi-VN" sz="4000"/>
+              <a:rPr lang="vi-VN" sz="4000" b="1"/>
               <a:t>HẾT</a:t>
             </a:r>
             <a:br>
-              <a:rPr lang="vi-VN" sz="4000"/>
+              <a:rPr lang="vi-VN" sz="4000" b="1"/>
             </a:br>
             <a:r>
-              <a:rPr lang="vi-VN" sz="4000">
+              <a:rPr lang="vi-VN" sz="4000" b="1">
                 <a:solidFill>
                   <a:schemeClr val="accent1"/>
                 </a:solidFill>
@@ -7887,7 +7679,7 @@
               </a:rPr>
               <a:t>CHÂN THÀNH CẢM ƠN THẦY/CÔ ĐÃ LẮNG NGHE</a:t>
             </a:r>
-            <a:endParaRPr lang="vi-VN" sz="4000"/>
+            <a:endParaRPr lang="vi-VN" sz="4000" b="1"/>
           </a:p>
         </p:txBody>
       </p:sp>
@@ -8602,7 +8394,7 @@
           <a:lstStyle/>
           <a:p>
             <a:r>
-              <a:rPr lang="vi-VN"/>
+              <a:rPr lang="vi-VN" b="1"/>
               <a:t>NỘI DUNG</a:t>
             </a:r>
           </a:p>
@@ -8712,7 +8504,7 @@
           <a:lstStyle/>
           <a:p>
             <a:r>
-              <a:rPr lang="vi-VN"/>
+              <a:rPr lang="vi-VN" b="1"/>
               <a:t>TỔNG QUAN</a:t>
             </a:r>
           </a:p>
@@ -9552,7 +9344,7 @@
           <a:lstStyle/>
           <a:p>
             <a:r>
-              <a:rPr lang="vi-VN"/>
+              <a:rPr lang="vi-VN" b="1"/>
               <a:t>PHƯƠNG PHÁP</a:t>
             </a:r>
           </a:p>
@@ -9682,7 +9474,7 @@
           <a:lstStyle/>
           <a:p>
             <a:r>
-              <a:rPr lang="vi-VN"/>
+              <a:rPr lang="vi-VN" b="1"/>
               <a:t>PHƯƠNG PHÁP</a:t>
             </a:r>
           </a:p>
@@ -9834,7 +9626,7 @@
           <a:lstStyle/>
           <a:p>
             <a:r>
-              <a:rPr lang="vi-VN"/>
+              <a:rPr lang="vi-VN" b="1"/>
               <a:t>PHƯƠNG PHÁP</a:t>
             </a:r>
           </a:p>
@@ -10026,7 +9818,7 @@
           <a:lstStyle/>
           <a:p>
             <a:r>
-              <a:rPr lang="vi-VN"/>
+              <a:rPr lang="vi-VN" b="1"/>
               <a:t>PHƯƠNG PHÁP</a:t>
             </a:r>
           </a:p>
@@ -10218,7 +10010,7 @@
           <a:lstStyle/>
           <a:p>
             <a:r>
-              <a:rPr lang="vi-VN"/>
+              <a:rPr lang="vi-VN" b="1"/>
               <a:t>PHƯƠNG PHÁP</a:t>
             </a:r>
           </a:p>

--- a/thesis/abs/CSN_BaoCao.pptx
+++ b/thesis/abs/CSN_BaoCao.pptx
@@ -6,22 +6,20 @@
   </p:sldMasterIdLst>
   <p:sldIdLst>
     <p:sldId id="259" r:id="rId2"/>
-    <p:sldId id="256" r:id="rId3"/>
-    <p:sldId id="260" r:id="rId4"/>
-    <p:sldId id="261" r:id="rId5"/>
-    <p:sldId id="262" r:id="rId6"/>
-    <p:sldId id="267" r:id="rId7"/>
-    <p:sldId id="268" r:id="rId8"/>
-    <p:sldId id="269" r:id="rId9"/>
-    <p:sldId id="270" r:id="rId10"/>
-    <p:sldId id="257" r:id="rId11"/>
-    <p:sldId id="263" r:id="rId12"/>
-    <p:sldId id="264" r:id="rId13"/>
-    <p:sldId id="274" r:id="rId14"/>
-    <p:sldId id="271" r:id="rId15"/>
-    <p:sldId id="265" r:id="rId16"/>
-    <p:sldId id="273" r:id="rId17"/>
-    <p:sldId id="266" r:id="rId18"/>
+    <p:sldId id="260" r:id="rId3"/>
+    <p:sldId id="261" r:id="rId4"/>
+    <p:sldId id="262" r:id="rId5"/>
+    <p:sldId id="267" r:id="rId6"/>
+    <p:sldId id="268" r:id="rId7"/>
+    <p:sldId id="269" r:id="rId8"/>
+    <p:sldId id="270" r:id="rId9"/>
+    <p:sldId id="257" r:id="rId10"/>
+    <p:sldId id="263" r:id="rId11"/>
+    <p:sldId id="264" r:id="rId12"/>
+    <p:sldId id="274" r:id="rId13"/>
+    <p:sldId id="271" r:id="rId14"/>
+    <p:sldId id="265" r:id="rId15"/>
+    <p:sldId id="266" r:id="rId16"/>
   </p:sldIdLst>
   <p:sldSz cx="12192000" cy="6858000"/>
   <p:notesSz cx="6858000" cy="9144000"/>
@@ -874,7 +872,7 @@
             <a:fld id="{B61BEF0D-F0BB-DE4B-95CE-6DB70DBA9567}" type="datetimeFigureOut">
               <a:rPr lang="en-US"/>
               <a:pPr/>
-              <a:t>1/8/2025</a:t>
+              <a:t>1/11/2025</a:t>
             </a:fld>
             <a:endParaRPr lang="en-US"/>
           </a:p>
@@ -1122,7 +1120,7 @@
             <a:fld id="{B61BEF0D-F0BB-DE4B-95CE-6DB70DBA9567}" type="datetimeFigureOut">
               <a:rPr lang="en-US"/>
               <a:pPr/>
-              <a:t>1/8/2025</a:t>
+              <a:t>1/11/2025</a:t>
             </a:fld>
             <a:endParaRPr lang="en-US"/>
           </a:p>
@@ -1433,7 +1431,7 @@
             <a:fld id="{B61BEF0D-F0BB-DE4B-95CE-6DB70DBA9567}" type="datetimeFigureOut">
               <a:rPr lang="en-US"/>
               <a:pPr/>
-              <a:t>1/8/2025</a:t>
+              <a:t>1/11/2025</a:t>
             </a:fld>
             <a:endParaRPr lang="en-US"/>
           </a:p>
@@ -1763,7 +1761,7 @@
             <a:fld id="{B61BEF0D-F0BB-DE4B-95CE-6DB70DBA9567}" type="datetimeFigureOut">
               <a:rPr lang="en-US"/>
               <a:pPr/>
-              <a:t>1/8/2025</a:t>
+              <a:t>1/11/2025</a:t>
             </a:fld>
             <a:endParaRPr lang="en-US"/>
           </a:p>
@@ -2074,7 +2072,7 @@
             <a:fld id="{B61BEF0D-F0BB-DE4B-95CE-6DB70DBA9567}" type="datetimeFigureOut">
               <a:rPr lang="en-US"/>
               <a:pPr/>
-              <a:t>1/8/2025</a:t>
+              <a:t>1/11/2025</a:t>
             </a:fld>
             <a:endParaRPr lang="en-US"/>
           </a:p>
@@ -2464,7 +2462,7 @@
             <a:fld id="{B61BEF0D-F0BB-DE4B-95CE-6DB70DBA9567}" type="datetimeFigureOut">
               <a:rPr lang="en-US"/>
               <a:pPr/>
-              <a:t>1/8/2025</a:t>
+              <a:t>1/11/2025</a:t>
             </a:fld>
             <a:endParaRPr lang="en-US"/>
           </a:p>
@@ -2630,7 +2628,7 @@
           <a:p>
             <a:fld id="{55C6B4A9-1611-4792-9094-5F34BCA07E0B}" type="datetimeFigureOut">
               <a:rPr lang="en-US"/>
-              <a:t>1/8/2025</a:t>
+              <a:t>1/11/2025</a:t>
             </a:fld>
             <a:endParaRPr lang="en-US"/>
           </a:p>
@@ -2806,7 +2804,7 @@
             <a:fld id="{B61BEF0D-F0BB-DE4B-95CE-6DB70DBA9567}" type="datetimeFigureOut">
               <a:rPr lang="en-US"/>
               <a:pPr/>
-              <a:t>1/8/2025</a:t>
+              <a:t>1/11/2025</a:t>
             </a:fld>
             <a:endParaRPr lang="en-US"/>
           </a:p>
@@ -3018,7 +3016,7 @@
           <a:p>
             <a:fld id="{42A54C80-263E-416B-A8E0-580EDEADCBDC}" type="datetimeFigureOut">
               <a:rPr lang="en-US"/>
-              <a:t>1/8/2025</a:t>
+              <a:t>1/11/2025</a:t>
             </a:fld>
             <a:endParaRPr lang="en-US"/>
           </a:p>
@@ -3261,7 +3259,7 @@
             <a:fld id="{B61BEF0D-F0BB-DE4B-95CE-6DB70DBA9567}" type="datetimeFigureOut">
               <a:rPr lang="en-US"/>
               <a:pPr/>
-              <a:t>1/8/2025</a:t>
+              <a:t>1/11/2025</a:t>
             </a:fld>
             <a:endParaRPr lang="en-US"/>
           </a:p>
@@ -3489,7 +3487,7 @@
           <a:p>
             <a:fld id="{42A54C80-263E-416B-A8E0-580EDEADCBDC}" type="datetimeFigureOut">
               <a:rPr lang="en-US"/>
-              <a:t>1/8/2025</a:t>
+              <a:t>1/11/2025</a:t>
             </a:fld>
             <a:endParaRPr lang="en-US"/>
           </a:p>
@@ -3859,7 +3857,7 @@
             <a:fld id="{B61BEF0D-F0BB-DE4B-95CE-6DB70DBA9567}" type="datetimeFigureOut">
               <a:rPr lang="en-US"/>
               <a:pPr/>
-              <a:t>1/8/2025</a:t>
+              <a:t>1/11/2025</a:t>
             </a:fld>
             <a:endParaRPr lang="en-US"/>
           </a:p>
@@ -3979,7 +3977,7 @@
             <a:fld id="{B61BEF0D-F0BB-DE4B-95CE-6DB70DBA9567}" type="datetimeFigureOut">
               <a:rPr lang="en-US"/>
               <a:pPr/>
-              <a:t>1/8/2025</a:t>
+              <a:t>1/11/2025</a:t>
             </a:fld>
             <a:endParaRPr lang="en-US"/>
           </a:p>
@@ -4071,7 +4069,7 @@
             <a:fld id="{B61BEF0D-F0BB-DE4B-95CE-6DB70DBA9567}" type="datetimeFigureOut">
               <a:rPr lang="en-US"/>
               <a:pPr/>
-              <a:t>1/8/2025</a:t>
+              <a:t>1/11/2025</a:t>
             </a:fld>
             <a:endParaRPr lang="en-US"/>
           </a:p>
@@ -4322,7 +4320,7 @@
           <a:p>
             <a:fld id="{42A54C80-263E-416B-A8E0-580EDEADCBDC}" type="datetimeFigureOut">
               <a:rPr lang="en-US"/>
-              <a:t>1/8/2025</a:t>
+              <a:t>1/11/2025</a:t>
             </a:fld>
             <a:endParaRPr lang="en-US"/>
           </a:p>
@@ -4623,7 +4621,7 @@
             <a:fld id="{B61BEF0D-F0BB-DE4B-95CE-6DB70DBA9567}" type="datetimeFigureOut">
               <a:rPr lang="en-US"/>
               <a:pPr/>
-              <a:t>1/8/2025</a:t>
+              <a:t>1/11/2025</a:t>
             </a:fld>
             <a:endParaRPr lang="en-US"/>
           </a:p>
@@ -5321,7 +5319,7 @@
             <a:fld id="{B61BEF0D-F0BB-DE4B-95CE-6DB70DBA9567}" type="datetimeFigureOut">
               <a:rPr lang="en-US"/>
               <a:pPr/>
-              <a:t>1/8/2025</a:t>
+              <a:t>1/11/2025</a:t>
             </a:fld>
             <a:endParaRPr lang="en-US"/>
           </a:p>
@@ -5863,7 +5861,7 @@
         </p:nvSpPr>
         <p:spPr>
           <a:xfrm>
-            <a:off x="2662228" y="2251889"/>
+            <a:off x="2662227" y="1668545"/>
             <a:ext cx="7074807" cy="982621"/>
           </a:xfrm>
           <a:prstGeom prst="rect">
@@ -5971,7 +5969,7 @@
         </p:nvSpPr>
         <p:spPr>
           <a:xfrm>
-            <a:off x="1353312" y="3623491"/>
+            <a:off x="1362454" y="2777838"/>
             <a:ext cx="9674352" cy="2825496"/>
           </a:xfrm>
           <a:prstGeom prst="rect">
@@ -6267,7 +6265,7 @@
                 <a:ea typeface="+mj-ea"/>
                 <a:cs typeface="+mj-cs"/>
               </a:rPr>
-              <a:t>TRỰC TUYẾN TẠI MỘT SỐ BỆNH VIỆN.</a:t>
+              <a:t>TRỰC TUYẾN TẠI MỘT SỐ BỆNH VIỆN</a:t>
             </a:r>
           </a:p>
           <a:p>
@@ -6392,6 +6390,284 @@
           </a:ln>
         </p:spPr>
       </p:pic>
+      <p:sp>
+        <p:nvSpPr>
+          <p:cNvPr id="2" name="Subtitle 2">
+            <a:extLst>
+              <a:ext uri="{FF2B5EF4-FFF2-40B4-BE49-F238E27FC236}">
+                <a16:creationId xmlns:a16="http://schemas.microsoft.com/office/drawing/2014/main" id="{00AFA8DD-03B0-2660-69AF-E356BD9DB1E3}"/>
+              </a:ext>
+            </a:extLst>
+          </p:cNvPr>
+          <p:cNvSpPr>
+            <a:spLocks noGrp="1"/>
+          </p:cNvSpPr>
+          <p:nvPr>
+            <p:ph type="subTitle" idx="1"/>
+          </p:nvPr>
+        </p:nvSpPr>
+        <p:spPr>
+          <a:xfrm>
+            <a:off x="845819" y="5189455"/>
+            <a:ext cx="9253728" cy="1412748"/>
+          </a:xfrm>
+        </p:spPr>
+        <p:txBody>
+          <a:bodyPr>
+            <a:normAutofit/>
+          </a:bodyPr>
+          <a:lstStyle/>
+          <a:p>
+            <a:pPr algn="l"/>
+            <a:r>
+              <a:rPr lang="en-US" sz="2800" err="1">
+                <a:solidFill>
+                  <a:schemeClr val="tx1"/>
+                </a:solidFill>
+                <a:effectLst/>
+                <a:latin typeface="Tahoma" panose="020B0604030504040204" pitchFamily="34" charset="0"/>
+                <a:ea typeface="Tahoma" panose="020B0604030504040204" pitchFamily="34" charset="0"/>
+                <a:cs typeface="Tahoma" panose="020B0604030504040204" pitchFamily="34" charset="0"/>
+              </a:rPr>
+              <a:t>Giảng</a:t>
+            </a:r>
+            <a:r>
+              <a:rPr lang="en-US" sz="2800">
+                <a:solidFill>
+                  <a:schemeClr val="tx1"/>
+                </a:solidFill>
+                <a:effectLst/>
+                <a:latin typeface="Tahoma" panose="020B0604030504040204" pitchFamily="34" charset="0"/>
+                <a:ea typeface="Tahoma" panose="020B0604030504040204" pitchFamily="34" charset="0"/>
+                <a:cs typeface="Tahoma" panose="020B0604030504040204" pitchFamily="34" charset="0"/>
+              </a:rPr>
+              <a:t> </a:t>
+            </a:r>
+            <a:r>
+              <a:rPr lang="en-US" sz="2800" err="1">
+                <a:solidFill>
+                  <a:schemeClr val="tx1"/>
+                </a:solidFill>
+                <a:effectLst/>
+                <a:latin typeface="Tahoma" panose="020B0604030504040204" pitchFamily="34" charset="0"/>
+                <a:ea typeface="Tahoma" panose="020B0604030504040204" pitchFamily="34" charset="0"/>
+                <a:cs typeface="Tahoma" panose="020B0604030504040204" pitchFamily="34" charset="0"/>
+              </a:rPr>
+              <a:t>viên</a:t>
+            </a:r>
+            <a:r>
+              <a:rPr lang="en-US" sz="2800">
+                <a:solidFill>
+                  <a:schemeClr val="tx1"/>
+                </a:solidFill>
+                <a:effectLst/>
+                <a:latin typeface="Tahoma" panose="020B0604030504040204" pitchFamily="34" charset="0"/>
+                <a:ea typeface="Tahoma" panose="020B0604030504040204" pitchFamily="34" charset="0"/>
+                <a:cs typeface="Tahoma" panose="020B0604030504040204" pitchFamily="34" charset="0"/>
+              </a:rPr>
+              <a:t> </a:t>
+            </a:r>
+            <a:r>
+              <a:rPr lang="en-US" sz="2800" err="1">
+                <a:solidFill>
+                  <a:schemeClr val="tx1"/>
+                </a:solidFill>
+                <a:effectLst/>
+                <a:latin typeface="Tahoma" panose="020B0604030504040204" pitchFamily="34" charset="0"/>
+                <a:ea typeface="Tahoma" panose="020B0604030504040204" pitchFamily="34" charset="0"/>
+                <a:cs typeface="Tahoma" panose="020B0604030504040204" pitchFamily="34" charset="0"/>
+              </a:rPr>
+              <a:t>hướng</a:t>
+            </a:r>
+            <a:r>
+              <a:rPr lang="en-US" sz="2800">
+                <a:solidFill>
+                  <a:schemeClr val="tx1"/>
+                </a:solidFill>
+                <a:effectLst/>
+                <a:latin typeface="Tahoma" panose="020B0604030504040204" pitchFamily="34" charset="0"/>
+                <a:ea typeface="Tahoma" panose="020B0604030504040204" pitchFamily="34" charset="0"/>
+                <a:cs typeface="Tahoma" panose="020B0604030504040204" pitchFamily="34" charset="0"/>
+              </a:rPr>
+              <a:t> </a:t>
+            </a:r>
+            <a:r>
+              <a:rPr lang="en-US" sz="2800" err="1">
+                <a:solidFill>
+                  <a:schemeClr val="tx1"/>
+                </a:solidFill>
+                <a:effectLst/>
+                <a:latin typeface="Tahoma" panose="020B0604030504040204" pitchFamily="34" charset="0"/>
+                <a:ea typeface="Tahoma" panose="020B0604030504040204" pitchFamily="34" charset="0"/>
+                <a:cs typeface="Tahoma" panose="020B0604030504040204" pitchFamily="34" charset="0"/>
+              </a:rPr>
+              <a:t>dẫn</a:t>
+            </a:r>
+            <a:r>
+              <a:rPr lang="en-US" sz="2800">
+                <a:solidFill>
+                  <a:schemeClr val="tx1"/>
+                </a:solidFill>
+                <a:effectLst/>
+                <a:latin typeface="Tahoma" panose="020B0604030504040204" pitchFamily="34" charset="0"/>
+                <a:ea typeface="Tahoma" panose="020B0604030504040204" pitchFamily="34" charset="0"/>
+                <a:cs typeface="Tahoma" panose="020B0604030504040204" pitchFamily="34" charset="0"/>
+              </a:rPr>
+              <a:t>: </a:t>
+            </a:r>
+            <a:r>
+              <a:rPr lang="en-US" sz="2800" err="1">
+                <a:solidFill>
+                  <a:schemeClr val="tx1"/>
+                </a:solidFill>
+                <a:effectLst/>
+                <a:latin typeface="Tahoma" panose="020B0604030504040204" pitchFamily="34" charset="0"/>
+                <a:ea typeface="Tahoma" panose="020B0604030504040204" pitchFamily="34" charset="0"/>
+                <a:cs typeface="Tahoma" panose="020B0604030504040204" pitchFamily="34" charset="0"/>
+              </a:rPr>
+              <a:t>ThS</a:t>
+            </a:r>
+            <a:r>
+              <a:rPr lang="en-US" sz="2800">
+                <a:solidFill>
+                  <a:schemeClr val="tx1"/>
+                </a:solidFill>
+                <a:effectLst/>
+                <a:latin typeface="Tahoma" panose="020B0604030504040204" pitchFamily="34" charset="0"/>
+                <a:ea typeface="Tahoma" panose="020B0604030504040204" pitchFamily="34" charset="0"/>
+                <a:cs typeface="Tahoma" panose="020B0604030504040204" pitchFamily="34" charset="0"/>
+              </a:rPr>
+              <a:t>. </a:t>
+            </a:r>
+            <a:r>
+              <a:rPr lang="vi-VN" sz="2800">
+                <a:solidFill>
+                  <a:schemeClr val="tx1"/>
+                </a:solidFill>
+                <a:effectLst/>
+                <a:latin typeface="Tahoma" panose="020B0604030504040204" pitchFamily="34" charset="0"/>
+                <a:ea typeface="Tahoma" panose="020B0604030504040204" pitchFamily="34" charset="0"/>
+                <a:cs typeface="Tahoma" panose="020B0604030504040204" pitchFamily="34" charset="0"/>
+              </a:rPr>
+              <a:t>Phan Thị Phương Nam</a:t>
+            </a:r>
+          </a:p>
+          <a:p>
+            <a:pPr algn="l"/>
+            <a:r>
+              <a:rPr lang="en-US" sz="2800">
+                <a:solidFill>
+                  <a:schemeClr val="tx1"/>
+                </a:solidFill>
+                <a:effectLst/>
+                <a:latin typeface="Tahoma" panose="020B0604030504040204" pitchFamily="34" charset="0"/>
+                <a:ea typeface="Tahoma" panose="020B0604030504040204" pitchFamily="34" charset="0"/>
+                <a:cs typeface="Tahoma" panose="020B0604030504040204" pitchFamily="34" charset="0"/>
+              </a:rPr>
+              <a:t>Sinh </a:t>
+            </a:r>
+            <a:r>
+              <a:rPr lang="en-US" sz="2800" err="1">
+                <a:solidFill>
+                  <a:schemeClr val="tx1"/>
+                </a:solidFill>
+                <a:effectLst/>
+                <a:latin typeface="Tahoma" panose="020B0604030504040204" pitchFamily="34" charset="0"/>
+                <a:ea typeface="Tahoma" panose="020B0604030504040204" pitchFamily="34" charset="0"/>
+                <a:cs typeface="Tahoma" panose="020B0604030504040204" pitchFamily="34" charset="0"/>
+              </a:rPr>
+              <a:t>viên</a:t>
+            </a:r>
+            <a:r>
+              <a:rPr lang="en-US" sz="2800">
+                <a:solidFill>
+                  <a:schemeClr val="tx1"/>
+                </a:solidFill>
+                <a:effectLst/>
+                <a:latin typeface="Tahoma" panose="020B0604030504040204" pitchFamily="34" charset="0"/>
+                <a:ea typeface="Tahoma" panose="020B0604030504040204" pitchFamily="34" charset="0"/>
+                <a:cs typeface="Tahoma" panose="020B0604030504040204" pitchFamily="34" charset="0"/>
+              </a:rPr>
+              <a:t> </a:t>
+            </a:r>
+            <a:r>
+              <a:rPr lang="en-US" sz="2800" err="1">
+                <a:solidFill>
+                  <a:schemeClr val="tx1"/>
+                </a:solidFill>
+                <a:effectLst/>
+                <a:latin typeface="Tahoma" panose="020B0604030504040204" pitchFamily="34" charset="0"/>
+                <a:ea typeface="Tahoma" panose="020B0604030504040204" pitchFamily="34" charset="0"/>
+                <a:cs typeface="Tahoma" panose="020B0604030504040204" pitchFamily="34" charset="0"/>
+              </a:rPr>
+              <a:t>thực</a:t>
+            </a:r>
+            <a:r>
+              <a:rPr lang="en-US" sz="2800">
+                <a:solidFill>
+                  <a:schemeClr val="tx1"/>
+                </a:solidFill>
+                <a:effectLst/>
+                <a:latin typeface="Tahoma" panose="020B0604030504040204" pitchFamily="34" charset="0"/>
+                <a:ea typeface="Tahoma" panose="020B0604030504040204" pitchFamily="34" charset="0"/>
+                <a:cs typeface="Tahoma" panose="020B0604030504040204" pitchFamily="34" charset="0"/>
+              </a:rPr>
+              <a:t> </a:t>
+            </a:r>
+            <a:r>
+              <a:rPr lang="en-US" sz="2800" err="1">
+                <a:solidFill>
+                  <a:schemeClr val="tx1"/>
+                </a:solidFill>
+                <a:effectLst/>
+                <a:latin typeface="Tahoma" panose="020B0604030504040204" pitchFamily="34" charset="0"/>
+                <a:ea typeface="Tahoma" panose="020B0604030504040204" pitchFamily="34" charset="0"/>
+                <a:cs typeface="Tahoma" panose="020B0604030504040204" pitchFamily="34" charset="0"/>
+              </a:rPr>
+              <a:t>hiện</a:t>
+            </a:r>
+            <a:r>
+              <a:rPr lang="en-US" sz="2800">
+                <a:solidFill>
+                  <a:schemeClr val="tx1"/>
+                </a:solidFill>
+                <a:effectLst/>
+                <a:latin typeface="Tahoma" panose="020B0604030504040204" pitchFamily="34" charset="0"/>
+                <a:ea typeface="Tahoma" panose="020B0604030504040204" pitchFamily="34" charset="0"/>
+                <a:cs typeface="Tahoma" panose="020B0604030504040204" pitchFamily="34" charset="0"/>
+              </a:rPr>
+              <a:t>:</a:t>
+            </a:r>
+            <a:r>
+              <a:rPr lang="vi-VN" sz="2800">
+                <a:solidFill>
+                  <a:schemeClr val="tx1"/>
+                </a:solidFill>
+                <a:latin typeface="Tahoma" panose="020B0604030504040204" pitchFamily="34" charset="0"/>
+                <a:ea typeface="Tahoma" panose="020B0604030504040204" pitchFamily="34" charset="0"/>
+                <a:cs typeface="Tahoma" panose="020B0604030504040204" pitchFamily="34" charset="0"/>
+              </a:rPr>
+              <a:t> </a:t>
+            </a:r>
+            <a:r>
+              <a:rPr lang="vi-VN" sz="2800">
+                <a:solidFill>
+                  <a:schemeClr val="tx1"/>
+                </a:solidFill>
+                <a:effectLst/>
+                <a:latin typeface="Tahoma" panose="020B0604030504040204" pitchFamily="34" charset="0"/>
+                <a:ea typeface="Tahoma" panose="020B0604030504040204" pitchFamily="34" charset="0"/>
+                <a:cs typeface="Tahoma" panose="020B0604030504040204" pitchFamily="34" charset="0"/>
+              </a:rPr>
+              <a:t>Nguyễn Văn Tổng</a:t>
+            </a:r>
+          </a:p>
+          <a:p>
+            <a:pPr algn="ctr"/>
+            <a:endParaRPr lang="vi-VN"/>
+          </a:p>
+        </p:txBody>
+      </p:sp>
     </p:spTree>
     <p:extLst>
       <p:ext uri="{BB962C8B-B14F-4D97-AF65-F5344CB8AC3E}">
@@ -6406,135 +6682,6 @@
 </file>
 
 <file path=ppt/slides/slide10.xml><?xml version="1.0" encoding="utf-8"?>
-<p:sld xmlns:a="http://schemas.openxmlformats.org/drawingml/2006/main" xmlns:r="http://schemas.openxmlformats.org/officeDocument/2006/relationships" xmlns:p="http://schemas.openxmlformats.org/presentationml/2006/main">
-  <p:cSld>
-    <p:spTree>
-      <p:nvGrpSpPr>
-        <p:cNvPr id="1" name=""/>
-        <p:cNvGrpSpPr/>
-        <p:nvPr/>
-      </p:nvGrpSpPr>
-      <p:grpSpPr>
-        <a:xfrm>
-          <a:off x="0" y="0"/>
-          <a:ext cx="0" cy="0"/>
-          <a:chOff x="0" y="0"/>
-          <a:chExt cx="0" cy="0"/>
-        </a:xfrm>
-      </p:grpSpPr>
-      <p:sp>
-        <p:nvSpPr>
-          <p:cNvPr id="2" name="Title 1">
-            <a:extLst>
-              <a:ext uri="{FF2B5EF4-FFF2-40B4-BE49-F238E27FC236}">
-                <a16:creationId xmlns:a16="http://schemas.microsoft.com/office/drawing/2014/main" id="{C1E54564-F4C4-647B-C11C-67C152AA5F73}"/>
-              </a:ext>
-            </a:extLst>
-          </p:cNvPr>
-          <p:cNvSpPr>
-            <a:spLocks noGrp="1"/>
-          </p:cNvSpPr>
-          <p:nvPr>
-            <p:ph type="title"/>
-          </p:nvPr>
-        </p:nvSpPr>
-        <p:spPr>
-          <a:xfrm>
-            <a:off x="677334" y="609600"/>
-            <a:ext cx="8596668" cy="904875"/>
-          </a:xfrm>
-        </p:spPr>
-        <p:txBody>
-          <a:bodyPr/>
-          <a:lstStyle/>
-          <a:p>
-            <a:r>
-              <a:rPr lang="vi-VN" b="1"/>
-              <a:t>THỰC HIỆN HÓA ĐỀ TÀI</a:t>
-            </a:r>
-          </a:p>
-        </p:txBody>
-      </p:sp>
-      <p:sp>
-        <p:nvSpPr>
-          <p:cNvPr id="6" name="TextBox 5">
-            <a:extLst>
-              <a:ext uri="{FF2B5EF4-FFF2-40B4-BE49-F238E27FC236}">
-                <a16:creationId xmlns:a16="http://schemas.microsoft.com/office/drawing/2014/main" id="{5DC984C2-B1FC-89B8-0D9F-1FCA5EC0EEE0}"/>
-              </a:ext>
-            </a:extLst>
-          </p:cNvPr>
-          <p:cNvSpPr txBox="1"/>
-          <p:nvPr/>
-        </p:nvSpPr>
-        <p:spPr>
-          <a:xfrm>
-            <a:off x="320718" y="1315227"/>
-            <a:ext cx="5677746" cy="523220"/>
-          </a:xfrm>
-          <a:prstGeom prst="rect">
-            <a:avLst/>
-          </a:prstGeom>
-          <a:noFill/>
-        </p:spPr>
-        <p:txBody>
-          <a:bodyPr wrap="square" rtlCol="0">
-            <a:spAutoFit/>
-          </a:bodyPr>
-          <a:lstStyle/>
-          <a:p>
-            <a:r>
-              <a:rPr lang="vi-VN" sz="2800">
-                <a:latin typeface="+mj-lt"/>
-              </a:rPr>
-              <a:t>Sơ đồ thực thể kết hợp</a:t>
-            </a:r>
-          </a:p>
-        </p:txBody>
-      </p:sp>
-      <p:pic>
-        <p:nvPicPr>
-          <p:cNvPr id="10" name="Content Placeholder 9">
-            <a:extLst>
-              <a:ext uri="{FF2B5EF4-FFF2-40B4-BE49-F238E27FC236}">
-                <a16:creationId xmlns:a16="http://schemas.microsoft.com/office/drawing/2014/main" id="{61BD296C-393D-46F2-6F06-396075B050CD}"/>
-              </a:ext>
-            </a:extLst>
-          </p:cNvPr>
-          <p:cNvPicPr>
-            <a:picLocks noGrp="1" noChangeAspect="1"/>
-          </p:cNvPicPr>
-          <p:nvPr>
-            <p:ph idx="1"/>
-          </p:nvPr>
-        </p:nvPicPr>
-        <p:blipFill>
-          <a:blip r:embed="rId2"/>
-          <a:stretch>
-            <a:fillRect/>
-          </a:stretch>
-        </p:blipFill>
-        <p:spPr>
-          <a:xfrm>
-            <a:off x="612109" y="1424955"/>
-            <a:ext cx="10333259" cy="5291228"/>
-          </a:xfrm>
-        </p:spPr>
-      </p:pic>
-    </p:spTree>
-    <p:extLst>
-      <p:ext uri="{BB962C8B-B14F-4D97-AF65-F5344CB8AC3E}">
-        <p14:creationId xmlns:p14="http://schemas.microsoft.com/office/powerpoint/2010/main" val="3140275282"/>
-      </p:ext>
-    </p:extLst>
-  </p:cSld>
-  <p:clrMapOvr>
-    <a:masterClrMapping/>
-  </p:clrMapOvr>
-</p:sld>
-</file>
-
-<file path=ppt/slides/slide11.xml><?xml version="1.0" encoding="utf-8"?>
 <p:sld xmlns:a="http://schemas.openxmlformats.org/drawingml/2006/main" xmlns:r="http://schemas.openxmlformats.org/officeDocument/2006/relationships" xmlns:p="http://schemas.openxmlformats.org/presentationml/2006/main">
   <p:cSld>
     <p:spTree>
@@ -6669,7 +6816,7 @@
 </p:sld>
 </file>
 
-<file path=ppt/slides/slide12.xml><?xml version="1.0" encoding="utf-8"?>
+<file path=ppt/slides/slide11.xml><?xml version="1.0" encoding="utf-8"?>
 <p:sld xmlns:a="http://schemas.openxmlformats.org/drawingml/2006/main" xmlns:r="http://schemas.openxmlformats.org/officeDocument/2006/relationships" xmlns:p="http://schemas.openxmlformats.org/presentationml/2006/main">
   <p:cSld>
     <p:spTree>
@@ -6911,7 +7058,7 @@
 </p:sld>
 </file>
 
-<file path=ppt/slides/slide13.xml><?xml version="1.0" encoding="utf-8"?>
+<file path=ppt/slides/slide12.xml><?xml version="1.0" encoding="utf-8"?>
 <p:sld xmlns:a="http://schemas.openxmlformats.org/drawingml/2006/main" xmlns:r="http://schemas.openxmlformats.org/officeDocument/2006/relationships" xmlns:p="http://schemas.openxmlformats.org/presentationml/2006/main">
   <p:cSld>
     <p:spTree>
@@ -7219,6 +7366,139 @@
 </p:sld>
 </file>
 
+<file path=ppt/slides/slide13.xml><?xml version="1.0" encoding="utf-8"?>
+<p:sld xmlns:a="http://schemas.openxmlformats.org/drawingml/2006/main" xmlns:r="http://schemas.openxmlformats.org/officeDocument/2006/relationships" xmlns:p="http://schemas.openxmlformats.org/presentationml/2006/main">
+  <p:cSld>
+    <p:spTree>
+      <p:nvGrpSpPr>
+        <p:cNvPr id="1" name=""/>
+        <p:cNvGrpSpPr/>
+        <p:nvPr/>
+      </p:nvGrpSpPr>
+      <p:grpSpPr>
+        <a:xfrm>
+          <a:off x="0" y="0"/>
+          <a:ext cx="0" cy="0"/>
+          <a:chOff x="0" y="0"/>
+          <a:chExt cx="0" cy="0"/>
+        </a:xfrm>
+      </p:grpSpPr>
+      <p:sp>
+        <p:nvSpPr>
+          <p:cNvPr id="2" name="Title 1">
+            <a:extLst>
+              <a:ext uri="{FF2B5EF4-FFF2-40B4-BE49-F238E27FC236}">
+                <a16:creationId xmlns:a16="http://schemas.microsoft.com/office/drawing/2014/main" id="{9070D4F4-956C-0DAB-A56C-8A83E3FA6C45}"/>
+              </a:ext>
+            </a:extLst>
+          </p:cNvPr>
+          <p:cNvSpPr>
+            <a:spLocks noGrp="1"/>
+          </p:cNvSpPr>
+          <p:nvPr>
+            <p:ph type="title"/>
+          </p:nvPr>
+        </p:nvSpPr>
+        <p:spPr/>
+        <p:txBody>
+          <a:bodyPr/>
+          <a:lstStyle/>
+          <a:p>
+            <a:r>
+              <a:rPr lang="vi-VN" b="1"/>
+              <a:t>KẾT QUẢ</a:t>
+            </a:r>
+          </a:p>
+        </p:txBody>
+      </p:sp>
+      <p:sp>
+        <p:nvSpPr>
+          <p:cNvPr id="3" name="Content Placeholder 2">
+            <a:extLst>
+              <a:ext uri="{FF2B5EF4-FFF2-40B4-BE49-F238E27FC236}">
+                <a16:creationId xmlns:a16="http://schemas.microsoft.com/office/drawing/2014/main" id="{EB85098D-9D07-8C0D-31EF-AD3157D75A8B}"/>
+              </a:ext>
+            </a:extLst>
+          </p:cNvPr>
+          <p:cNvSpPr>
+            <a:spLocks noGrp="1"/>
+          </p:cNvSpPr>
+          <p:nvPr>
+            <p:ph idx="1"/>
+          </p:nvPr>
+        </p:nvSpPr>
+        <p:spPr>
+          <a:xfrm>
+            <a:off x="164592" y="1371600"/>
+            <a:ext cx="10479024" cy="5349240"/>
+          </a:xfrm>
+        </p:spPr>
+        <p:txBody>
+          <a:bodyPr>
+            <a:normAutofit/>
+          </a:bodyPr>
+          <a:lstStyle/>
+          <a:p>
+            <a:pPr>
+              <a:lnSpc>
+                <a:spcPct val="160000"/>
+              </a:lnSpc>
+            </a:pPr>
+            <a:r>
+              <a:rPr lang="vi-VN" sz="2800">
+                <a:effectLst/>
+                <a:latin typeface="+mj-lt"/>
+                <a:ea typeface="Times New Roman" panose="02020603050405020304" pitchFamily="18" charset="0"/>
+              </a:rPr>
+              <a:t>Xây dựng thành công một cấu trúc cơ sở dữ liệu: Đáp ứng được các yêu cầu cơ bản của một hệ thống đặt lịch khám trực tuyến, bao gồm quản lý thông tin bệnh nhân, bác sĩ, lịch khám, và các thông tin liên quan khác.</a:t>
+            </a:r>
+          </a:p>
+          <a:p>
+            <a:pPr>
+              <a:lnSpc>
+                <a:spcPct val="160000"/>
+              </a:lnSpc>
+            </a:pPr>
+            <a:r>
+              <a:rPr lang="vi-VN" sz="2800">
+                <a:effectLst/>
+                <a:latin typeface="+mj-lt"/>
+                <a:ea typeface="Times New Roman" panose="02020603050405020304" pitchFamily="18" charset="0"/>
+              </a:rPr>
+              <a:t>Đảm bảo tính toàn vẹn và bảo mật dữ liệu: Các ràng buộc đã được thiết lập để đảm bảo tính chính xác của dữ liệu</a:t>
+            </a:r>
+            <a:r>
+              <a:rPr lang="vi-VN">
+                <a:effectLst/>
+                <a:latin typeface="+mj-lt"/>
+                <a:ea typeface="Times New Roman" panose="02020603050405020304" pitchFamily="18" charset="0"/>
+              </a:rPr>
+              <a:t>.</a:t>
+            </a:r>
+            <a:endParaRPr lang="vi-VN" sz="2800">
+              <a:effectLst/>
+              <a:latin typeface="+mj-lt"/>
+              <a:ea typeface="Times New Roman" panose="02020603050405020304" pitchFamily="18" charset="0"/>
+            </a:endParaRPr>
+          </a:p>
+          <a:p>
+            <a:endParaRPr lang="vi-VN"/>
+          </a:p>
+        </p:txBody>
+      </p:sp>
+    </p:spTree>
+    <p:extLst>
+      <p:ext uri="{BB962C8B-B14F-4D97-AF65-F5344CB8AC3E}">
+        <p14:creationId xmlns:p14="http://schemas.microsoft.com/office/powerpoint/2010/main" val="1425739007"/>
+      </p:ext>
+    </p:extLst>
+  </p:cSld>
+  <p:clrMapOvr>
+    <a:masterClrMapping/>
+  </p:clrMapOvr>
+</p:sld>
+</file>
+
 <file path=ppt/slides/slide14.xml><?xml version="1.0" encoding="utf-8"?>
 <p:sld xmlns:a="http://schemas.openxmlformats.org/drawingml/2006/main" xmlns:r="http://schemas.openxmlformats.org/officeDocument/2006/relationships" xmlns:p="http://schemas.openxmlformats.org/presentationml/2006/main">
   <p:cSld>
@@ -7241,7 +7521,7 @@
           <p:cNvPr id="2" name="Title 1">
             <a:extLst>
               <a:ext uri="{FF2B5EF4-FFF2-40B4-BE49-F238E27FC236}">
-                <a16:creationId xmlns:a16="http://schemas.microsoft.com/office/drawing/2014/main" id="{9070D4F4-956C-0DAB-A56C-8A83E3FA6C45}"/>
+                <a16:creationId xmlns:a16="http://schemas.microsoft.com/office/drawing/2014/main" id="{ACC009C8-AB75-B19F-05B5-D784813527AC}"/>
               </a:ext>
             </a:extLst>
           </p:cNvPr>
@@ -7259,7 +7539,7 @@
           <a:p>
             <a:r>
               <a:rPr lang="vi-VN" b="1"/>
-              <a:t>KẾT QUẢ</a:t>
+              <a:t>TỔNG KẾT</a:t>
             </a:r>
           </a:p>
         </p:txBody>
@@ -7269,7 +7549,7 @@
           <p:cNvPr id="3" name="Content Placeholder 2">
             <a:extLst>
               <a:ext uri="{FF2B5EF4-FFF2-40B4-BE49-F238E27FC236}">
-                <a16:creationId xmlns:a16="http://schemas.microsoft.com/office/drawing/2014/main" id="{EB85098D-9D07-8C0D-31EF-AD3157D75A8B}"/>
+                <a16:creationId xmlns:a16="http://schemas.microsoft.com/office/drawing/2014/main" id="{D062F861-BCE8-2F8E-7EF4-21EF701AC171}"/>
               </a:ext>
             </a:extLst>
           </p:cNvPr>
@@ -7280,61 +7560,48 @@
             <p:ph idx="1"/>
           </p:nvPr>
         </p:nvSpPr>
-        <p:spPr>
-          <a:xfrm>
-            <a:off x="164592" y="1371600"/>
-            <a:ext cx="10479024" cy="5349240"/>
-          </a:xfrm>
-        </p:spPr>
-        <p:txBody>
-          <a:bodyPr>
-            <a:normAutofit/>
-          </a:bodyPr>
+        <p:spPr/>
+        <p:txBody>
+          <a:bodyPr/>
           <a:lstStyle/>
           <a:p>
-            <a:pPr>
+            <a:pPr lvl="1">
               <a:lnSpc>
-                <a:spcPct val="160000"/>
+                <a:spcPct val="150000"/>
               </a:lnSpc>
+              <a:buFont typeface="Arial" panose="020B0604020202020204" pitchFamily="34" charset="0"/>
+              <a:buChar char="•"/>
             </a:pPr>
             <a:r>
-              <a:rPr lang="vi-VN" sz="2800">
-                <a:effectLst/>
-                <a:latin typeface="+mj-lt"/>
-                <a:ea typeface="Times New Roman" panose="02020603050405020304" pitchFamily="18" charset="0"/>
-              </a:rPr>
-              <a:t>Xây dựng thành công một cấu trúc cơ sở dữ liệu: Đáp ứng được các yêu cầu cơ bản của một hệ thống đặt lịch khám trực tuyến, bao gồm quản lý thông tin bệnh nhân, bác sĩ, lịch khám, và các thông tin liên quan khác.</a:t>
-            </a:r>
-          </a:p>
-          <a:p>
-            <a:pPr>
+              <a:rPr lang="vi-VN"/>
+              <a:t>Xây dựng được cơ sở dữ liệu</a:t>
+            </a:r>
+          </a:p>
+          <a:p>
+            <a:pPr lvl="1">
               <a:lnSpc>
-                <a:spcPct val="160000"/>
+                <a:spcPct val="150000"/>
               </a:lnSpc>
+              <a:buFont typeface="Arial" panose="020B0604020202020204" pitchFamily="34" charset="0"/>
+              <a:buChar char="•"/>
             </a:pPr>
             <a:r>
-              <a:rPr lang="vi-VN" sz="2800">
-                <a:effectLst/>
-                <a:latin typeface="+mj-lt"/>
-                <a:ea typeface="Times New Roman" panose="02020603050405020304" pitchFamily="18" charset="0"/>
-              </a:rPr>
-              <a:t>Đảm bảo tính toàn vẹn và bảo mật dữ liệu: Các ràng buộc và cơ chế bảo mật đã được thiết lập để bảo vệ thông tin cá nhân của bệnh nhân và đảm bảo tính chính xác của dữ liệu</a:t>
-            </a:r>
-            <a:r>
-              <a:rPr lang="vi-VN">
-                <a:effectLst/>
-                <a:latin typeface="+mj-lt"/>
-                <a:ea typeface="Times New Roman" panose="02020603050405020304" pitchFamily="18" charset="0"/>
-              </a:rPr>
-              <a:t>.</a:t>
-            </a:r>
-          </a:p>
-          <a:p>
-            <a:endParaRPr lang="vi-VN" sz="2800">
-              <a:effectLst/>
-              <a:latin typeface="+mj-lt"/>
-              <a:ea typeface="Times New Roman" panose="02020603050405020304" pitchFamily="18" charset="0"/>
-            </a:endParaRPr>
+              <a:rPr lang="vi-VN"/>
+              <a:t>Nắm vững kiến thức thiết kế cơ sở dữ liệu </a:t>
+            </a:r>
+          </a:p>
+          <a:p>
+            <a:pPr lvl="1">
+              <a:lnSpc>
+                <a:spcPct val="150000"/>
+              </a:lnSpc>
+              <a:buFont typeface="Arial" panose="020B0604020202020204" pitchFamily="34" charset="0"/>
+              <a:buChar char="•"/>
+            </a:pPr>
+            <a:r>
+              <a:rPr lang="vi-VN"/>
+              <a:t>Nắm vững cách sử dụng các công cụ</a:t>
+            </a:r>
           </a:p>
           <a:p>
             <a:endParaRPr lang="vi-VN"/>
@@ -7344,7 +7611,7 @@
     </p:spTree>
     <p:extLst>
       <p:ext uri="{BB962C8B-B14F-4D97-AF65-F5344CB8AC3E}">
-        <p14:creationId xmlns:p14="http://schemas.microsoft.com/office/powerpoint/2010/main" val="1425739007"/>
+        <p14:creationId xmlns:p14="http://schemas.microsoft.com/office/powerpoint/2010/main" val="2047531310"/>
       </p:ext>
     </p:extLst>
   </p:cSld>
@@ -7376,269 +7643,6 @@
           <p:cNvPr id="2" name="Title 1">
             <a:extLst>
               <a:ext uri="{FF2B5EF4-FFF2-40B4-BE49-F238E27FC236}">
-                <a16:creationId xmlns:a16="http://schemas.microsoft.com/office/drawing/2014/main" id="{ACC009C8-AB75-B19F-05B5-D784813527AC}"/>
-              </a:ext>
-            </a:extLst>
-          </p:cNvPr>
-          <p:cNvSpPr>
-            <a:spLocks noGrp="1"/>
-          </p:cNvSpPr>
-          <p:nvPr>
-            <p:ph type="title"/>
-          </p:nvPr>
-        </p:nvSpPr>
-        <p:spPr/>
-        <p:txBody>
-          <a:bodyPr/>
-          <a:lstStyle/>
-          <a:p>
-            <a:r>
-              <a:rPr lang="vi-VN" b="1"/>
-              <a:t>TỔNG KẾT</a:t>
-            </a:r>
-          </a:p>
-        </p:txBody>
-      </p:sp>
-      <p:sp>
-        <p:nvSpPr>
-          <p:cNvPr id="3" name="Content Placeholder 2">
-            <a:extLst>
-              <a:ext uri="{FF2B5EF4-FFF2-40B4-BE49-F238E27FC236}">
-                <a16:creationId xmlns:a16="http://schemas.microsoft.com/office/drawing/2014/main" id="{D062F861-BCE8-2F8E-7EF4-21EF701AC171}"/>
-              </a:ext>
-            </a:extLst>
-          </p:cNvPr>
-          <p:cNvSpPr>
-            <a:spLocks noGrp="1"/>
-          </p:cNvSpPr>
-          <p:nvPr>
-            <p:ph idx="1"/>
-          </p:nvPr>
-        </p:nvSpPr>
-        <p:spPr/>
-        <p:txBody>
-          <a:bodyPr/>
-          <a:lstStyle/>
-          <a:p>
-            <a:r>
-              <a:rPr lang="vi-VN"/>
-              <a:t>KẾT QUẢ ĐẠT ĐƯỢC:</a:t>
-            </a:r>
-          </a:p>
-          <a:p>
-            <a:pPr lvl="1">
-              <a:lnSpc>
-                <a:spcPct val="150000"/>
-              </a:lnSpc>
-              <a:buFont typeface="Arial" panose="020B0604020202020204" pitchFamily="34" charset="0"/>
-              <a:buChar char="•"/>
-            </a:pPr>
-            <a:r>
-              <a:rPr lang="vi-VN"/>
-              <a:t>Xây dựng được cơ sở dữ liệu</a:t>
-            </a:r>
-          </a:p>
-          <a:p>
-            <a:pPr lvl="1">
-              <a:lnSpc>
-                <a:spcPct val="150000"/>
-              </a:lnSpc>
-              <a:buFont typeface="Arial" panose="020B0604020202020204" pitchFamily="34" charset="0"/>
-              <a:buChar char="•"/>
-            </a:pPr>
-            <a:r>
-              <a:rPr lang="vi-VN"/>
-              <a:t>Nắm vững kiến thức thiết kế cơ sở dữ liệu </a:t>
-            </a:r>
-          </a:p>
-          <a:p>
-            <a:pPr lvl="1">
-              <a:lnSpc>
-                <a:spcPct val="150000"/>
-              </a:lnSpc>
-              <a:buFont typeface="Arial" panose="020B0604020202020204" pitchFamily="34" charset="0"/>
-              <a:buChar char="•"/>
-            </a:pPr>
-            <a:r>
-              <a:rPr lang="vi-VN"/>
-              <a:t>Công cụ sử dụng: </a:t>
-            </a:r>
-            <a:r>
-              <a:rPr lang="vi-VN" err="1"/>
-              <a:t>Sql</a:t>
-            </a:r>
-            <a:r>
-              <a:rPr lang="vi-VN"/>
-              <a:t> Server</a:t>
-            </a:r>
-          </a:p>
-          <a:p>
-            <a:endParaRPr lang="vi-VN"/>
-          </a:p>
-        </p:txBody>
-      </p:sp>
-    </p:spTree>
-    <p:extLst>
-      <p:ext uri="{BB962C8B-B14F-4D97-AF65-F5344CB8AC3E}">
-        <p14:creationId xmlns:p14="http://schemas.microsoft.com/office/powerpoint/2010/main" val="2047531310"/>
-      </p:ext>
-    </p:extLst>
-  </p:cSld>
-  <p:clrMapOvr>
-    <a:masterClrMapping/>
-  </p:clrMapOvr>
-</p:sld>
-</file>
-
-<file path=ppt/slides/slide16.xml><?xml version="1.0" encoding="utf-8"?>
-<p:sld xmlns:a="http://schemas.openxmlformats.org/drawingml/2006/main" xmlns:r="http://schemas.openxmlformats.org/officeDocument/2006/relationships" xmlns:p="http://schemas.openxmlformats.org/presentationml/2006/main">
-  <p:cSld>
-    <p:spTree>
-      <p:nvGrpSpPr>
-        <p:cNvPr id="1" name="">
-          <a:extLst>
-            <a:ext uri="{FF2B5EF4-FFF2-40B4-BE49-F238E27FC236}">
-              <a16:creationId xmlns:a16="http://schemas.microsoft.com/office/drawing/2014/main" id="{2028AB09-509D-7C3A-7DB2-45EADFFB96E5}"/>
-            </a:ext>
-          </a:extLst>
-        </p:cNvPr>
-        <p:cNvGrpSpPr/>
-        <p:nvPr/>
-      </p:nvGrpSpPr>
-      <p:grpSpPr>
-        <a:xfrm>
-          <a:off x="0" y="0"/>
-          <a:ext cx="0" cy="0"/>
-          <a:chOff x="0" y="0"/>
-          <a:chExt cx="0" cy="0"/>
-        </a:xfrm>
-      </p:grpSpPr>
-      <p:sp>
-        <p:nvSpPr>
-          <p:cNvPr id="2" name="Title 1">
-            <a:extLst>
-              <a:ext uri="{FF2B5EF4-FFF2-40B4-BE49-F238E27FC236}">
-                <a16:creationId xmlns:a16="http://schemas.microsoft.com/office/drawing/2014/main" id="{3B28CF69-7637-B45A-3786-B44B34A754A8}"/>
-              </a:ext>
-            </a:extLst>
-          </p:cNvPr>
-          <p:cNvSpPr>
-            <a:spLocks noGrp="1"/>
-          </p:cNvSpPr>
-          <p:nvPr>
-            <p:ph type="title"/>
-          </p:nvPr>
-        </p:nvSpPr>
-        <p:spPr/>
-        <p:txBody>
-          <a:bodyPr/>
-          <a:lstStyle/>
-          <a:p>
-            <a:r>
-              <a:rPr lang="vi-VN" b="1"/>
-              <a:t>TỔNG KẾT</a:t>
-            </a:r>
-          </a:p>
-        </p:txBody>
-      </p:sp>
-      <p:sp>
-        <p:nvSpPr>
-          <p:cNvPr id="3" name="Content Placeholder 2">
-            <a:extLst>
-              <a:ext uri="{FF2B5EF4-FFF2-40B4-BE49-F238E27FC236}">
-                <a16:creationId xmlns:a16="http://schemas.microsoft.com/office/drawing/2014/main" id="{D1BDA445-4B99-9B98-DA0F-CAD1C49A6C37}"/>
-              </a:ext>
-            </a:extLst>
-          </p:cNvPr>
-          <p:cNvSpPr>
-            <a:spLocks noGrp="1"/>
-          </p:cNvSpPr>
-          <p:nvPr>
-            <p:ph idx="1"/>
-          </p:nvPr>
-        </p:nvSpPr>
-        <p:spPr/>
-        <p:txBody>
-          <a:bodyPr/>
-          <a:lstStyle/>
-          <a:p>
-            <a:pPr>
-              <a:lnSpc>
-                <a:spcPct val="150000"/>
-              </a:lnSpc>
-            </a:pPr>
-            <a:r>
-              <a:rPr lang="vi-VN"/>
-              <a:t>Hướng phát triển:</a:t>
-            </a:r>
-          </a:p>
-          <a:p>
-            <a:pPr lvl="1">
-              <a:lnSpc>
-                <a:spcPct val="150000"/>
-              </a:lnSpc>
-              <a:buFont typeface="Arial" panose="020B0604020202020204" pitchFamily="34" charset="0"/>
-              <a:buChar char="•"/>
-            </a:pPr>
-            <a:r>
-              <a:rPr lang="vi-VN">
-                <a:effectLst/>
-                <a:latin typeface="+mj-lt"/>
-                <a:ea typeface="Times New Roman" panose="02020603050405020304" pitchFamily="18" charset="0"/>
-              </a:rPr>
-              <a:t>Mở rộng các tính năng</a:t>
-            </a:r>
-          </a:p>
-          <a:p>
-            <a:pPr lvl="1">
-              <a:lnSpc>
-                <a:spcPct val="150000"/>
-              </a:lnSpc>
-              <a:buFont typeface="Arial" panose="020B0604020202020204" pitchFamily="34" charset="0"/>
-              <a:buChar char="•"/>
-            </a:pPr>
-            <a:r>
-              <a:rPr lang="vi-VN"/>
-              <a:t>Cải thiện hiệu suất</a:t>
-            </a:r>
-          </a:p>
-        </p:txBody>
-      </p:sp>
-    </p:spTree>
-    <p:extLst>
-      <p:ext uri="{BB962C8B-B14F-4D97-AF65-F5344CB8AC3E}">
-        <p14:creationId xmlns:p14="http://schemas.microsoft.com/office/powerpoint/2010/main" val="3753706044"/>
-      </p:ext>
-    </p:extLst>
-  </p:cSld>
-  <p:clrMapOvr>
-    <a:masterClrMapping/>
-  </p:clrMapOvr>
-</p:sld>
-</file>
-
-<file path=ppt/slides/slide17.xml><?xml version="1.0" encoding="utf-8"?>
-<p:sld xmlns:a="http://schemas.openxmlformats.org/drawingml/2006/main" xmlns:r="http://schemas.openxmlformats.org/officeDocument/2006/relationships" xmlns:p="http://schemas.openxmlformats.org/presentationml/2006/main">
-  <p:cSld>
-    <p:spTree>
-      <p:nvGrpSpPr>
-        <p:cNvPr id="1" name=""/>
-        <p:cNvGrpSpPr/>
-        <p:nvPr/>
-      </p:nvGrpSpPr>
-      <p:grpSpPr>
-        <a:xfrm>
-          <a:off x="0" y="0"/>
-          <a:ext cx="0" cy="0"/>
-          <a:chOff x="0" y="0"/>
-          <a:chExt cx="0" cy="0"/>
-        </a:xfrm>
-      </p:grpSpPr>
-      <p:sp>
-        <p:nvSpPr>
-          <p:cNvPr id="2" name="Title 1">
-            <a:extLst>
-              <a:ext uri="{FF2B5EF4-FFF2-40B4-BE49-F238E27FC236}">
                 <a16:creationId xmlns:a16="http://schemas.microsoft.com/office/drawing/2014/main" id="{1347B527-BF8E-1220-CBF1-A6878733873C}"/>
               </a:ext>
             </a:extLst>
@@ -7677,7 +7681,7 @@
                 <a:ea typeface="+mj-ea"/>
                 <a:cs typeface="+mj-cs"/>
               </a:rPr>
-              <a:t>CHÂN THÀNH CẢM ƠN THẦY/CÔ ĐÃ LẮNG NGHE</a:t>
+              <a:t>CHÂN THÀNH CẢM ƠN THẦY CÔ ĐÃ LẮNG NGHE</a:t>
             </a:r>
             <a:endParaRPr lang="vi-VN" sz="4000" b="1"/>
           </a:p>
@@ -7715,637 +7719,88 @@
       </p:grpSpPr>
       <p:sp>
         <p:nvSpPr>
-          <p:cNvPr id="4" name="Title 1">
+          <p:cNvPr id="2" name="Title 1">
             <a:extLst>
               <a:ext uri="{FF2B5EF4-FFF2-40B4-BE49-F238E27FC236}">
-                <a16:creationId xmlns:a16="http://schemas.microsoft.com/office/drawing/2014/main" id="{3669A0C7-0738-70BB-2C72-54D82700956A}"/>
+                <a16:creationId xmlns:a16="http://schemas.microsoft.com/office/drawing/2014/main" id="{168924B1-9416-B807-2207-7F1DCB46E703}"/>
               </a:ext>
             </a:extLst>
           </p:cNvPr>
-          <p:cNvSpPr txBox="1">
-            <a:spLocks/>
-          </p:cNvSpPr>
-          <p:nvPr/>
-        </p:nvSpPr>
-        <p:spPr>
-          <a:xfrm>
-            <a:off x="2662228" y="2251889"/>
-            <a:ext cx="7074807" cy="982621"/>
-          </a:xfrm>
-          <a:prstGeom prst="rect">
-            <a:avLst/>
-          </a:prstGeom>
-        </p:spPr>
-        <p:txBody>
-          <a:bodyPr vert="horz" lIns="91440" tIns="45720" rIns="91440" bIns="45720" rtlCol="0" anchor="b">
-            <a:normAutofit fontScale="90000"/>
-          </a:bodyPr>
-          <a:lstStyle>
-            <a:lvl1pPr algn="r" defTabSz="457200" rtl="0" eaLnBrk="1" latinLnBrk="0" hangingPunct="1">
-              <a:spcBef>
-                <a:spcPct val="0"/>
-              </a:spcBef>
-              <a:buNone/>
-              <a:defRPr sz="5400" kern="1200">
-                <a:solidFill>
-                  <a:schemeClr val="accent1"/>
-                </a:solidFill>
-                <a:latin typeface="+mj-lt"/>
-                <a:ea typeface="+mj-ea"/>
-                <a:cs typeface="+mj-cs"/>
-              </a:defRPr>
-            </a:lvl1pPr>
-            <a:lvl2pPr eaLnBrk="1" hangingPunct="1">
-              <a:defRPr>
-                <a:solidFill>
-                  <a:schemeClr val="tx2"/>
-                </a:solidFill>
-              </a:defRPr>
-            </a:lvl2pPr>
-            <a:lvl3pPr eaLnBrk="1" hangingPunct="1">
-              <a:defRPr>
-                <a:solidFill>
-                  <a:schemeClr val="tx2"/>
-                </a:solidFill>
-              </a:defRPr>
-            </a:lvl3pPr>
-            <a:lvl4pPr eaLnBrk="1" hangingPunct="1">
-              <a:defRPr>
-                <a:solidFill>
-                  <a:schemeClr val="tx2"/>
-                </a:solidFill>
-              </a:defRPr>
-            </a:lvl4pPr>
-            <a:lvl5pPr eaLnBrk="1" hangingPunct="1">
-              <a:defRPr>
-                <a:solidFill>
-                  <a:schemeClr val="tx2"/>
-                </a:solidFill>
-              </a:defRPr>
-            </a:lvl5pPr>
-            <a:lvl6pPr eaLnBrk="1" hangingPunct="1">
-              <a:defRPr>
-                <a:solidFill>
-                  <a:schemeClr val="tx2"/>
-                </a:solidFill>
-              </a:defRPr>
-            </a:lvl6pPr>
-            <a:lvl7pPr eaLnBrk="1" hangingPunct="1">
-              <a:defRPr>
-                <a:solidFill>
-                  <a:schemeClr val="tx2"/>
-                </a:solidFill>
-              </a:defRPr>
-            </a:lvl7pPr>
-            <a:lvl8pPr eaLnBrk="1" hangingPunct="1">
-              <a:defRPr>
-                <a:solidFill>
-                  <a:schemeClr val="tx2"/>
-                </a:solidFill>
-              </a:defRPr>
-            </a:lvl8pPr>
-            <a:lvl9pPr eaLnBrk="1" hangingPunct="1">
-              <a:defRPr>
-                <a:solidFill>
-                  <a:schemeClr val="tx2"/>
-                </a:solidFill>
-              </a:defRPr>
-            </a:lvl9pPr>
-          </a:lstStyle>
-          <a:p>
-            <a:pPr algn="ctr"/>
+          <p:cNvSpPr>
+            <a:spLocks noGrp="1"/>
+          </p:cNvSpPr>
+          <p:nvPr>
+            <p:ph type="title"/>
+          </p:nvPr>
+        </p:nvSpPr>
+        <p:spPr/>
+        <p:txBody>
+          <a:bodyPr/>
+          <a:lstStyle/>
+          <a:p>
             <a:r>
               <a:rPr lang="vi-VN" b="1"/>
-              <a:t>ĐỒ ÁN CƠ SỞ NGÀNH</a:t>
-            </a:r>
-          </a:p>
-        </p:txBody>
-      </p:sp>
-      <p:sp>
-        <p:nvSpPr>
-          <p:cNvPr id="6" name="TextBox 5">
+              <a:t>NỘI DUNG</a:t>
+            </a:r>
+          </a:p>
+        </p:txBody>
+      </p:sp>
+      <p:sp>
+        <p:nvSpPr>
+          <p:cNvPr id="3" name="Content Placeholder 2">
             <a:extLst>
               <a:ext uri="{FF2B5EF4-FFF2-40B4-BE49-F238E27FC236}">
-                <a16:creationId xmlns:a16="http://schemas.microsoft.com/office/drawing/2014/main" id="{808C1B28-3517-B52C-5350-ACCB7D19D648}"/>
+                <a16:creationId xmlns:a16="http://schemas.microsoft.com/office/drawing/2014/main" id="{B18644BA-9FEE-D4BC-08CF-34D567223689}"/>
               </a:ext>
             </a:extLst>
           </p:cNvPr>
-          <p:cNvSpPr txBox="1"/>
-          <p:nvPr/>
-        </p:nvSpPr>
-        <p:spPr>
-          <a:xfrm>
-            <a:off x="845819" y="510822"/>
-            <a:ext cx="10707624" cy="1031051"/>
-          </a:xfrm>
-          <a:prstGeom prst="rect">
-            <a:avLst/>
-          </a:prstGeom>
-          <a:noFill/>
-        </p:spPr>
-        <p:txBody>
-          <a:bodyPr wrap="square" rtlCol="0">
-            <a:spAutoFit/>
-          </a:bodyPr>
+          <p:cNvSpPr>
+            <a:spLocks noGrp="1"/>
+          </p:cNvSpPr>
+          <p:nvPr>
+            <p:ph idx="1"/>
+          </p:nvPr>
+        </p:nvSpPr>
+        <p:spPr/>
+        <p:txBody>
+          <a:bodyPr/>
           <a:lstStyle/>
           <a:p>
-            <a:pPr algn="ctr">
-              <a:spcBef>
-                <a:spcPct val="0"/>
-              </a:spcBef>
-              <a:spcAft>
-                <a:spcPts val="600"/>
-              </a:spcAft>
-            </a:pPr>
-            <a:r>
-              <a:rPr lang="vi-VN" sz="2800" b="1">
-                <a:solidFill>
-                  <a:schemeClr val="accent2">
-                    <a:lumMod val="75000"/>
-                  </a:schemeClr>
-                </a:solidFill>
-                <a:latin typeface="+mj-lt"/>
-                <a:ea typeface="+mj-ea"/>
-                <a:cs typeface="+mj-cs"/>
-              </a:rPr>
-              <a:t>KHOA KỸ THUẬT VÀ CÔNG NGHỆ</a:t>
-            </a:r>
-          </a:p>
-          <a:p>
-            <a:pPr algn="ctr">
-              <a:spcBef>
-                <a:spcPct val="0"/>
-              </a:spcBef>
-              <a:spcAft>
-                <a:spcPts val="600"/>
-              </a:spcAft>
-            </a:pPr>
-            <a:r>
-              <a:rPr lang="vi-VN" sz="2800" b="1">
-                <a:solidFill>
-                  <a:schemeClr val="accent2">
-                    <a:lumMod val="75000"/>
-                  </a:schemeClr>
-                </a:solidFill>
-                <a:latin typeface="+mj-lt"/>
-                <a:ea typeface="+mj-ea"/>
-                <a:cs typeface="+mj-cs"/>
-              </a:rPr>
-              <a:t>BỘ MÔN CÔNG NGHỆ THÔNG TIN</a:t>
-            </a:r>
-          </a:p>
-        </p:txBody>
-      </p:sp>
-      <p:pic>
-        <p:nvPicPr>
-          <p:cNvPr id="7" name="Picture 6">
-            <a:extLst>
-              <a:ext uri="{FF2B5EF4-FFF2-40B4-BE49-F238E27FC236}">
-                <a16:creationId xmlns:a16="http://schemas.microsoft.com/office/drawing/2014/main" id="{791FAE0E-A278-B0BF-B6DE-B59E716494FA}"/>
-              </a:ext>
-            </a:extLst>
-          </p:cNvPr>
-          <p:cNvPicPr>
-            <a:picLocks noChangeAspect="1"/>
-          </p:cNvPicPr>
-          <p:nvPr/>
-        </p:nvPicPr>
-        <p:blipFill>
-          <a:blip r:embed="rId2" cstate="print">
-            <a:extLst>
-              <a:ext uri="{28A0092B-C50C-407E-A947-70E740481C1C}">
-                <a14:useLocalDpi xmlns:a14="http://schemas.microsoft.com/office/drawing/2010/main" val="0"/>
-              </a:ext>
-            </a:extLst>
-          </a:blip>
-          <a:srcRect/>
-          <a:stretch>
-            <a:fillRect/>
-          </a:stretch>
-        </p:blipFill>
-        <p:spPr bwMode="auto">
-          <a:xfrm>
-            <a:off x="940309" y="373852"/>
-            <a:ext cx="1336547" cy="1304990"/>
-          </a:xfrm>
-          <a:prstGeom prst="rect">
-            <a:avLst/>
-          </a:prstGeom>
-          <a:noFill/>
-          <a:ln>
-            <a:noFill/>
-          </a:ln>
-        </p:spPr>
-      </p:pic>
-      <p:sp>
-        <p:nvSpPr>
-          <p:cNvPr id="9" name="Subtitle 2">
-            <a:extLst>
-              <a:ext uri="{FF2B5EF4-FFF2-40B4-BE49-F238E27FC236}">
-                <a16:creationId xmlns:a16="http://schemas.microsoft.com/office/drawing/2014/main" id="{26EB628F-597B-9913-DAC9-D4057F4D5891}"/>
-              </a:ext>
-            </a:extLst>
-          </p:cNvPr>
-          <p:cNvSpPr>
-            <a:spLocks noGrp="1"/>
-          </p:cNvSpPr>
-          <p:nvPr>
-            <p:ph type="subTitle" idx="1"/>
-          </p:nvPr>
-        </p:nvSpPr>
-        <p:spPr>
-          <a:xfrm>
-            <a:off x="940309" y="3658652"/>
-            <a:ext cx="9253728" cy="2825496"/>
-          </a:xfrm>
-        </p:spPr>
-        <p:txBody>
-          <a:bodyPr>
-            <a:normAutofit/>
-          </a:bodyPr>
-          <a:lstStyle/>
-          <a:p>
-            <a:pPr algn="l"/>
-            <a:r>
-              <a:rPr lang="en-US" sz="2800" err="1">
-                <a:solidFill>
-                  <a:schemeClr val="tx1"/>
-                </a:solidFill>
-                <a:effectLst/>
-                <a:latin typeface="Tahoma" panose="020B0604030504040204" pitchFamily="34" charset="0"/>
-                <a:ea typeface="Tahoma" panose="020B0604030504040204" pitchFamily="34" charset="0"/>
-                <a:cs typeface="Tahoma" panose="020B0604030504040204" pitchFamily="34" charset="0"/>
-              </a:rPr>
-              <a:t>Giảng</a:t>
-            </a:r>
-            <a:r>
-              <a:rPr lang="en-US" sz="2800">
-                <a:solidFill>
-                  <a:schemeClr val="tx1"/>
-                </a:solidFill>
-                <a:effectLst/>
-                <a:latin typeface="Tahoma" panose="020B0604030504040204" pitchFamily="34" charset="0"/>
-                <a:ea typeface="Tahoma" panose="020B0604030504040204" pitchFamily="34" charset="0"/>
-                <a:cs typeface="Tahoma" panose="020B0604030504040204" pitchFamily="34" charset="0"/>
-              </a:rPr>
-              <a:t> </a:t>
-            </a:r>
-            <a:r>
-              <a:rPr lang="en-US" sz="2800" err="1">
-                <a:solidFill>
-                  <a:schemeClr val="tx1"/>
-                </a:solidFill>
-                <a:effectLst/>
-                <a:latin typeface="Tahoma" panose="020B0604030504040204" pitchFamily="34" charset="0"/>
-                <a:ea typeface="Tahoma" panose="020B0604030504040204" pitchFamily="34" charset="0"/>
-                <a:cs typeface="Tahoma" panose="020B0604030504040204" pitchFamily="34" charset="0"/>
-              </a:rPr>
-              <a:t>viên</a:t>
-            </a:r>
-            <a:r>
-              <a:rPr lang="en-US" sz="2800">
-                <a:solidFill>
-                  <a:schemeClr val="tx1"/>
-                </a:solidFill>
-                <a:effectLst/>
-                <a:latin typeface="Tahoma" panose="020B0604030504040204" pitchFamily="34" charset="0"/>
-                <a:ea typeface="Tahoma" panose="020B0604030504040204" pitchFamily="34" charset="0"/>
-                <a:cs typeface="Tahoma" panose="020B0604030504040204" pitchFamily="34" charset="0"/>
-              </a:rPr>
-              <a:t> </a:t>
-            </a:r>
-            <a:r>
-              <a:rPr lang="en-US" sz="2800" err="1">
-                <a:solidFill>
-                  <a:schemeClr val="tx1"/>
-                </a:solidFill>
-                <a:effectLst/>
-                <a:latin typeface="Tahoma" panose="020B0604030504040204" pitchFamily="34" charset="0"/>
-                <a:ea typeface="Tahoma" panose="020B0604030504040204" pitchFamily="34" charset="0"/>
-                <a:cs typeface="Tahoma" panose="020B0604030504040204" pitchFamily="34" charset="0"/>
-              </a:rPr>
-              <a:t>hướng</a:t>
-            </a:r>
-            <a:r>
-              <a:rPr lang="en-US" sz="2800">
-                <a:solidFill>
-                  <a:schemeClr val="tx1"/>
-                </a:solidFill>
-                <a:effectLst/>
-                <a:latin typeface="Tahoma" panose="020B0604030504040204" pitchFamily="34" charset="0"/>
-                <a:ea typeface="Tahoma" panose="020B0604030504040204" pitchFamily="34" charset="0"/>
-                <a:cs typeface="Tahoma" panose="020B0604030504040204" pitchFamily="34" charset="0"/>
-              </a:rPr>
-              <a:t> </a:t>
-            </a:r>
-            <a:r>
-              <a:rPr lang="en-US" sz="2800" err="1">
-                <a:solidFill>
-                  <a:schemeClr val="tx1"/>
-                </a:solidFill>
-                <a:effectLst/>
-                <a:latin typeface="Tahoma" panose="020B0604030504040204" pitchFamily="34" charset="0"/>
-                <a:ea typeface="Tahoma" panose="020B0604030504040204" pitchFamily="34" charset="0"/>
-                <a:cs typeface="Tahoma" panose="020B0604030504040204" pitchFamily="34" charset="0"/>
-              </a:rPr>
-              <a:t>dẫn</a:t>
-            </a:r>
-            <a:r>
-              <a:rPr lang="en-US" sz="2800">
-                <a:solidFill>
-                  <a:schemeClr val="tx1"/>
-                </a:solidFill>
-                <a:effectLst/>
-                <a:latin typeface="Tahoma" panose="020B0604030504040204" pitchFamily="34" charset="0"/>
-                <a:ea typeface="Tahoma" panose="020B0604030504040204" pitchFamily="34" charset="0"/>
-                <a:cs typeface="Tahoma" panose="020B0604030504040204" pitchFamily="34" charset="0"/>
-              </a:rPr>
-              <a:t>: </a:t>
-            </a:r>
-            <a:r>
-              <a:rPr lang="en-US" sz="2800" err="1">
-                <a:solidFill>
-                  <a:schemeClr val="tx1"/>
-                </a:solidFill>
-                <a:effectLst/>
-                <a:latin typeface="Tahoma" panose="020B0604030504040204" pitchFamily="34" charset="0"/>
-                <a:ea typeface="Tahoma" panose="020B0604030504040204" pitchFamily="34" charset="0"/>
-                <a:cs typeface="Tahoma" panose="020B0604030504040204" pitchFamily="34" charset="0"/>
-              </a:rPr>
-              <a:t>ThS</a:t>
-            </a:r>
-            <a:r>
-              <a:rPr lang="en-US" sz="2800">
-                <a:solidFill>
-                  <a:schemeClr val="tx1"/>
-                </a:solidFill>
-                <a:effectLst/>
-                <a:latin typeface="Tahoma" panose="020B0604030504040204" pitchFamily="34" charset="0"/>
-                <a:ea typeface="Tahoma" panose="020B0604030504040204" pitchFamily="34" charset="0"/>
-                <a:cs typeface="Tahoma" panose="020B0604030504040204" pitchFamily="34" charset="0"/>
-              </a:rPr>
-              <a:t>. </a:t>
-            </a:r>
-            <a:r>
-              <a:rPr lang="vi-VN" sz="2800">
-                <a:solidFill>
-                  <a:schemeClr val="tx1"/>
-                </a:solidFill>
-                <a:effectLst/>
-                <a:latin typeface="Tahoma" panose="020B0604030504040204" pitchFamily="34" charset="0"/>
-                <a:ea typeface="Tahoma" panose="020B0604030504040204" pitchFamily="34" charset="0"/>
-                <a:cs typeface="Tahoma" panose="020B0604030504040204" pitchFamily="34" charset="0"/>
-              </a:rPr>
-              <a:t>Phan Thị Phương Nam</a:t>
-            </a:r>
-          </a:p>
-          <a:p>
-            <a:pPr algn="l"/>
-            <a:r>
-              <a:rPr lang="en-US" sz="2800">
-                <a:solidFill>
-                  <a:schemeClr val="tx1"/>
-                </a:solidFill>
-                <a:effectLst/>
-                <a:latin typeface="Tahoma" panose="020B0604030504040204" pitchFamily="34" charset="0"/>
-                <a:ea typeface="Tahoma" panose="020B0604030504040204" pitchFamily="34" charset="0"/>
-                <a:cs typeface="Tahoma" panose="020B0604030504040204" pitchFamily="34" charset="0"/>
-              </a:rPr>
-              <a:t>Sinh </a:t>
-            </a:r>
-            <a:r>
-              <a:rPr lang="en-US" sz="2800" err="1">
-                <a:solidFill>
-                  <a:schemeClr val="tx1"/>
-                </a:solidFill>
-                <a:effectLst/>
-                <a:latin typeface="Tahoma" panose="020B0604030504040204" pitchFamily="34" charset="0"/>
-                <a:ea typeface="Tahoma" panose="020B0604030504040204" pitchFamily="34" charset="0"/>
-                <a:cs typeface="Tahoma" panose="020B0604030504040204" pitchFamily="34" charset="0"/>
-              </a:rPr>
-              <a:t>viên</a:t>
-            </a:r>
-            <a:r>
-              <a:rPr lang="en-US" sz="2800">
-                <a:solidFill>
-                  <a:schemeClr val="tx1"/>
-                </a:solidFill>
-                <a:effectLst/>
-                <a:latin typeface="Tahoma" panose="020B0604030504040204" pitchFamily="34" charset="0"/>
-                <a:ea typeface="Tahoma" panose="020B0604030504040204" pitchFamily="34" charset="0"/>
-                <a:cs typeface="Tahoma" panose="020B0604030504040204" pitchFamily="34" charset="0"/>
-              </a:rPr>
-              <a:t> </a:t>
-            </a:r>
-            <a:r>
-              <a:rPr lang="en-US" sz="2800" err="1">
-                <a:solidFill>
-                  <a:schemeClr val="tx1"/>
-                </a:solidFill>
-                <a:effectLst/>
-                <a:latin typeface="Tahoma" panose="020B0604030504040204" pitchFamily="34" charset="0"/>
-                <a:ea typeface="Tahoma" panose="020B0604030504040204" pitchFamily="34" charset="0"/>
-                <a:cs typeface="Tahoma" panose="020B0604030504040204" pitchFamily="34" charset="0"/>
-              </a:rPr>
-              <a:t>thực</a:t>
-            </a:r>
-            <a:r>
-              <a:rPr lang="en-US" sz="2800">
-                <a:solidFill>
-                  <a:schemeClr val="tx1"/>
-                </a:solidFill>
-                <a:effectLst/>
-                <a:latin typeface="Tahoma" panose="020B0604030504040204" pitchFamily="34" charset="0"/>
-                <a:ea typeface="Tahoma" panose="020B0604030504040204" pitchFamily="34" charset="0"/>
-                <a:cs typeface="Tahoma" panose="020B0604030504040204" pitchFamily="34" charset="0"/>
-              </a:rPr>
-              <a:t> </a:t>
-            </a:r>
-            <a:r>
-              <a:rPr lang="en-US" sz="2800" err="1">
-                <a:solidFill>
-                  <a:schemeClr val="tx1"/>
-                </a:solidFill>
-                <a:effectLst/>
-                <a:latin typeface="Tahoma" panose="020B0604030504040204" pitchFamily="34" charset="0"/>
-                <a:ea typeface="Tahoma" panose="020B0604030504040204" pitchFamily="34" charset="0"/>
-                <a:cs typeface="Tahoma" panose="020B0604030504040204" pitchFamily="34" charset="0"/>
-              </a:rPr>
-              <a:t>hiện</a:t>
-            </a:r>
-            <a:r>
-              <a:rPr lang="en-US" sz="2800">
-                <a:solidFill>
-                  <a:schemeClr val="tx1"/>
-                </a:solidFill>
-                <a:effectLst/>
-                <a:latin typeface="Tahoma" panose="020B0604030504040204" pitchFamily="34" charset="0"/>
-                <a:ea typeface="Tahoma" panose="020B0604030504040204" pitchFamily="34" charset="0"/>
-                <a:cs typeface="Tahoma" panose="020B0604030504040204" pitchFamily="34" charset="0"/>
-              </a:rPr>
-              <a:t>:</a:t>
-            </a:r>
-            <a:endParaRPr lang="vi-VN" sz="2800">
-              <a:solidFill>
-                <a:schemeClr val="tx1"/>
-              </a:solidFill>
-              <a:effectLst/>
-              <a:latin typeface="Tahoma" panose="020B0604030504040204" pitchFamily="34" charset="0"/>
-              <a:ea typeface="Tahoma" panose="020B0604030504040204" pitchFamily="34" charset="0"/>
-              <a:cs typeface="Tahoma" panose="020B0604030504040204" pitchFamily="34" charset="0"/>
-            </a:endParaRPr>
-          </a:p>
-          <a:p>
-            <a:pPr algn="l"/>
-            <a:r>
-              <a:rPr lang="en-US" sz="2800" err="1">
-                <a:solidFill>
-                  <a:schemeClr val="tx1"/>
-                </a:solidFill>
-                <a:effectLst/>
-                <a:latin typeface="Tahoma" panose="020B0604030504040204" pitchFamily="34" charset="0"/>
-                <a:ea typeface="Tahoma" panose="020B0604030504040204" pitchFamily="34" charset="0"/>
-                <a:cs typeface="Tahoma" panose="020B0604030504040204" pitchFamily="34" charset="0"/>
-              </a:rPr>
-              <a:t>Họ</a:t>
-            </a:r>
-            <a:r>
-              <a:rPr lang="en-US" sz="2800">
-                <a:solidFill>
-                  <a:schemeClr val="tx1"/>
-                </a:solidFill>
-                <a:effectLst/>
-                <a:latin typeface="Tahoma" panose="020B0604030504040204" pitchFamily="34" charset="0"/>
-                <a:ea typeface="Tahoma" panose="020B0604030504040204" pitchFamily="34" charset="0"/>
-                <a:cs typeface="Tahoma" panose="020B0604030504040204" pitchFamily="34" charset="0"/>
-              </a:rPr>
-              <a:t> </a:t>
-            </a:r>
-            <a:r>
-              <a:rPr lang="en-US" sz="2800" err="1">
-                <a:solidFill>
-                  <a:schemeClr val="tx1"/>
-                </a:solidFill>
-                <a:effectLst/>
-                <a:latin typeface="Tahoma" panose="020B0604030504040204" pitchFamily="34" charset="0"/>
-                <a:ea typeface="Tahoma" panose="020B0604030504040204" pitchFamily="34" charset="0"/>
-                <a:cs typeface="Tahoma" panose="020B0604030504040204" pitchFamily="34" charset="0"/>
-              </a:rPr>
-              <a:t>tên</a:t>
-            </a:r>
-            <a:r>
-              <a:rPr lang="en-US" sz="2800">
-                <a:solidFill>
-                  <a:schemeClr val="tx1"/>
-                </a:solidFill>
-                <a:effectLst/>
-                <a:latin typeface="Tahoma" panose="020B0604030504040204" pitchFamily="34" charset="0"/>
-                <a:ea typeface="Tahoma" panose="020B0604030504040204" pitchFamily="34" charset="0"/>
-                <a:cs typeface="Tahoma" panose="020B0604030504040204" pitchFamily="34" charset="0"/>
-              </a:rPr>
-              <a:t>:</a:t>
-            </a:r>
-            <a:r>
-              <a:rPr lang="vi-VN" sz="2800">
-                <a:solidFill>
-                  <a:schemeClr val="tx1"/>
-                </a:solidFill>
-                <a:effectLst/>
-                <a:latin typeface="Tahoma" panose="020B0604030504040204" pitchFamily="34" charset="0"/>
-                <a:ea typeface="Tahoma" panose="020B0604030504040204" pitchFamily="34" charset="0"/>
-                <a:cs typeface="Tahoma" panose="020B0604030504040204" pitchFamily="34" charset="0"/>
-              </a:rPr>
-              <a:t> Nguyễn Văn Tổng</a:t>
-            </a:r>
-          </a:p>
-          <a:p>
-            <a:pPr algn="l"/>
-            <a:r>
-              <a:rPr lang="en-US" sz="2800" err="1">
-                <a:solidFill>
-                  <a:schemeClr val="tx1"/>
-                </a:solidFill>
-                <a:effectLst/>
-                <a:latin typeface="Tahoma" panose="020B0604030504040204" pitchFamily="34" charset="0"/>
-                <a:ea typeface="Tahoma" panose="020B0604030504040204" pitchFamily="34" charset="0"/>
-                <a:cs typeface="Tahoma" panose="020B0604030504040204" pitchFamily="34" charset="0"/>
-              </a:rPr>
-              <a:t>MSSV</a:t>
-            </a:r>
-            <a:r>
-              <a:rPr lang="en-US" sz="2800">
-                <a:solidFill>
-                  <a:schemeClr val="tx1"/>
-                </a:solidFill>
-                <a:effectLst/>
-                <a:latin typeface="Tahoma" panose="020B0604030504040204" pitchFamily="34" charset="0"/>
-                <a:ea typeface="Tahoma" panose="020B0604030504040204" pitchFamily="34" charset="0"/>
-                <a:cs typeface="Tahoma" panose="020B0604030504040204" pitchFamily="34" charset="0"/>
-              </a:rPr>
-              <a:t>:</a:t>
-            </a:r>
-            <a:r>
-              <a:rPr lang="vi-VN" sz="2800">
-                <a:solidFill>
-                  <a:schemeClr val="tx1"/>
-                </a:solidFill>
-                <a:effectLst/>
-                <a:latin typeface="Tahoma" panose="020B0604030504040204" pitchFamily="34" charset="0"/>
-                <a:ea typeface="Tahoma" panose="020B0604030504040204" pitchFamily="34" charset="0"/>
-                <a:cs typeface="Tahoma" panose="020B0604030504040204" pitchFamily="34" charset="0"/>
-              </a:rPr>
-              <a:t> 110122188</a:t>
-            </a:r>
-          </a:p>
-          <a:p>
-            <a:pPr algn="l"/>
-            <a:r>
-              <a:rPr lang="en-US" sz="2800" err="1">
-                <a:solidFill>
-                  <a:schemeClr val="tx1"/>
-                </a:solidFill>
-                <a:effectLst/>
-                <a:latin typeface="Tahoma" panose="020B0604030504040204" pitchFamily="34" charset="0"/>
-                <a:ea typeface="Tahoma" panose="020B0604030504040204" pitchFamily="34" charset="0"/>
-                <a:cs typeface="Tahoma" panose="020B0604030504040204" pitchFamily="34" charset="0"/>
-              </a:rPr>
-              <a:t>Lớp</a:t>
-            </a:r>
-            <a:r>
-              <a:rPr lang="en-US" sz="2800">
-                <a:solidFill>
-                  <a:schemeClr val="tx1"/>
-                </a:solidFill>
-                <a:effectLst/>
-                <a:latin typeface="Tahoma" panose="020B0604030504040204" pitchFamily="34" charset="0"/>
-                <a:ea typeface="Tahoma" panose="020B0604030504040204" pitchFamily="34" charset="0"/>
-                <a:cs typeface="Tahoma" panose="020B0604030504040204" pitchFamily="34" charset="0"/>
-              </a:rPr>
-              <a:t>:</a:t>
-            </a:r>
-            <a:r>
-              <a:rPr lang="vi-VN" sz="2800">
-                <a:solidFill>
-                  <a:schemeClr val="tx1"/>
-                </a:solidFill>
-                <a:effectLst/>
-                <a:latin typeface="Tahoma" panose="020B0604030504040204" pitchFamily="34" charset="0"/>
-                <a:ea typeface="Tahoma" panose="020B0604030504040204" pitchFamily="34" charset="0"/>
-                <a:cs typeface="Tahoma" panose="020B0604030504040204" pitchFamily="34" charset="0"/>
-              </a:rPr>
-              <a:t> DA22TTC</a:t>
-            </a:r>
-          </a:p>
-          <a:p>
-            <a:pPr algn="ctr"/>
-            <a:endParaRPr lang="vi-VN"/>
+            <a:r>
+              <a:rPr lang="vi-VN"/>
+              <a:t>Tổng quan</a:t>
+            </a:r>
+          </a:p>
+          <a:p>
+            <a:r>
+              <a:rPr lang="vi-VN"/>
+              <a:t>Phương pháp</a:t>
+            </a:r>
+          </a:p>
+          <a:p>
+            <a:r>
+              <a:rPr lang="vi-VN"/>
+              <a:t>Thực hiện hóa đề tài</a:t>
+            </a:r>
+          </a:p>
+          <a:p>
+            <a:r>
+              <a:rPr lang="vi-VN"/>
+              <a:t>Kết quả </a:t>
+            </a:r>
+          </a:p>
+          <a:p>
+            <a:r>
+              <a:rPr lang="vi-VN"/>
+              <a:t>Tổng kết</a:t>
+            </a:r>
           </a:p>
         </p:txBody>
       </p:sp>
     </p:spTree>
     <p:extLst>
       <p:ext uri="{BB962C8B-B14F-4D97-AF65-F5344CB8AC3E}">
-        <p14:creationId xmlns:p14="http://schemas.microsoft.com/office/powerpoint/2010/main" val="1869035315"/>
+        <p14:creationId xmlns:p14="http://schemas.microsoft.com/office/powerpoint/2010/main" val="3248791298"/>
       </p:ext>
     </p:extLst>
   </p:cSld>
@@ -8377,7 +7832,7 @@
           <p:cNvPr id="2" name="Title 1">
             <a:extLst>
               <a:ext uri="{FF2B5EF4-FFF2-40B4-BE49-F238E27FC236}">
-                <a16:creationId xmlns:a16="http://schemas.microsoft.com/office/drawing/2014/main" id="{168924B1-9416-B807-2207-7F1DCB46E703}"/>
+                <a16:creationId xmlns:a16="http://schemas.microsoft.com/office/drawing/2014/main" id="{ECA97554-7111-B127-8577-8832EEA09F70}"/>
               </a:ext>
             </a:extLst>
           </p:cNvPr>
@@ -8395,7 +7850,7 @@
           <a:p>
             <a:r>
               <a:rPr lang="vi-VN" b="1"/>
-              <a:t>NỘI DUNG</a:t>
+              <a:t>TỔNG QUAN</a:t>
             </a:r>
           </a:p>
         </p:txBody>
@@ -8405,7 +7860,7 @@
           <p:cNvPr id="3" name="Content Placeholder 2">
             <a:extLst>
               <a:ext uri="{FF2B5EF4-FFF2-40B4-BE49-F238E27FC236}">
-                <a16:creationId xmlns:a16="http://schemas.microsoft.com/office/drawing/2014/main" id="{B18644BA-9FEE-D4BC-08CF-34D567223689}"/>
+                <a16:creationId xmlns:a16="http://schemas.microsoft.com/office/drawing/2014/main" id="{44914FD4-D1E7-D6B1-A944-46F58D6B3137}"/>
               </a:ext>
             </a:extLst>
           </p:cNvPr>
@@ -8418,44 +7873,766 @@
         </p:nvSpPr>
         <p:spPr/>
         <p:txBody>
-          <a:bodyPr/>
+          <a:bodyPr>
+            <a:normAutofit fontScale="92500" lnSpcReduction="10000"/>
+          </a:bodyPr>
           <a:lstStyle/>
           <a:p>
-            <a:r>
-              <a:rPr lang="vi-VN"/>
-              <a:t>Tổng quan</a:t>
-            </a:r>
-          </a:p>
-          <a:p>
-            <a:r>
-              <a:rPr lang="vi-VN"/>
-              <a:t>Phương pháp</a:t>
-            </a:r>
-          </a:p>
-          <a:p>
-            <a:r>
-              <a:rPr lang="vi-VN"/>
-              <a:t>Thực hiện hóa đề tài</a:t>
-            </a:r>
-          </a:p>
-          <a:p>
-            <a:r>
-              <a:rPr lang="vi-VN"/>
-              <a:t>Kết quả </a:t>
-            </a:r>
-          </a:p>
-          <a:p>
-            <a:r>
-              <a:rPr lang="vi-VN"/>
-              <a:t>Tổng kết</a:t>
-            </a:r>
+            <a:pPr>
+              <a:lnSpc>
+                <a:spcPct val="170000"/>
+              </a:lnSpc>
+            </a:pPr>
+            <a:r>
+              <a:rPr lang="en-US">
+                <a:effectLst/>
+              </a:rPr>
+              <a:t>Trong </a:t>
+            </a:r>
+            <a:r>
+              <a:rPr lang="en-US" err="1">
+                <a:effectLst/>
+              </a:rPr>
+              <a:t>bối</a:t>
+            </a:r>
+            <a:r>
+              <a:rPr lang="en-US">
+                <a:effectLst/>
+              </a:rPr>
+              <a:t> </a:t>
+            </a:r>
+            <a:r>
+              <a:rPr lang="en-US" err="1">
+                <a:effectLst/>
+              </a:rPr>
+              <a:t>cảnh</a:t>
+            </a:r>
+            <a:r>
+              <a:rPr lang="en-US">
+                <a:effectLst/>
+              </a:rPr>
+              <a:t> y </a:t>
+            </a:r>
+            <a:r>
+              <a:rPr lang="en-US" err="1">
+                <a:effectLst/>
+              </a:rPr>
+              <a:t>tế</a:t>
+            </a:r>
+            <a:r>
+              <a:rPr lang="en-US">
+                <a:effectLst/>
+              </a:rPr>
+              <a:t> </a:t>
+            </a:r>
+            <a:r>
+              <a:rPr lang="en-US" err="1">
+                <a:effectLst/>
+              </a:rPr>
+              <a:t>hiện</a:t>
+            </a:r>
+            <a:r>
+              <a:rPr lang="en-US">
+                <a:effectLst/>
+              </a:rPr>
+              <a:t> </a:t>
+            </a:r>
+            <a:r>
+              <a:rPr lang="en-US" err="1">
+                <a:effectLst/>
+              </a:rPr>
+              <a:t>đại</a:t>
+            </a:r>
+            <a:r>
+              <a:rPr lang="en-US">
+                <a:effectLst/>
+              </a:rPr>
+              <a:t>, </a:t>
+            </a:r>
+            <a:r>
+              <a:rPr lang="en-US" err="1">
+                <a:effectLst/>
+              </a:rPr>
+              <a:t>việc</a:t>
+            </a:r>
+            <a:r>
+              <a:rPr lang="en-US">
+                <a:effectLst/>
+              </a:rPr>
+              <a:t> </a:t>
+            </a:r>
+            <a:r>
+              <a:rPr lang="en-US" err="1">
+                <a:effectLst/>
+              </a:rPr>
+              <a:t>ứng</a:t>
+            </a:r>
+            <a:r>
+              <a:rPr lang="en-US">
+                <a:effectLst/>
+              </a:rPr>
+              <a:t> </a:t>
+            </a:r>
+            <a:r>
+              <a:rPr lang="en-US" err="1">
+                <a:effectLst/>
+              </a:rPr>
+              <a:t>dụng</a:t>
+            </a:r>
+            <a:r>
+              <a:rPr lang="en-US">
+                <a:effectLst/>
+              </a:rPr>
+              <a:t> </a:t>
+            </a:r>
+            <a:r>
+              <a:rPr lang="en-US" err="1">
+                <a:effectLst/>
+              </a:rPr>
+              <a:t>công</a:t>
+            </a:r>
+            <a:r>
+              <a:rPr lang="en-US">
+                <a:effectLst/>
+              </a:rPr>
+              <a:t> </a:t>
+            </a:r>
+            <a:r>
+              <a:rPr lang="en-US" err="1">
+                <a:effectLst/>
+              </a:rPr>
+              <a:t>nghệ</a:t>
+            </a:r>
+            <a:r>
+              <a:rPr lang="en-US">
+                <a:effectLst/>
+              </a:rPr>
+              <a:t> </a:t>
+            </a:r>
+            <a:r>
+              <a:rPr lang="en-US" err="1">
+                <a:effectLst/>
+              </a:rPr>
+              <a:t>thông</a:t>
+            </a:r>
+            <a:r>
+              <a:rPr lang="en-US">
+                <a:effectLst/>
+              </a:rPr>
+              <a:t> tin </a:t>
+            </a:r>
+            <a:r>
+              <a:rPr lang="en-US" err="1">
+                <a:effectLst/>
+              </a:rPr>
+              <a:t>vào</a:t>
+            </a:r>
+            <a:r>
+              <a:rPr lang="en-US">
+                <a:effectLst/>
+              </a:rPr>
+              <a:t> </a:t>
+            </a:r>
+            <a:r>
+              <a:rPr lang="en-US" err="1">
+                <a:effectLst/>
+              </a:rPr>
+              <a:t>các</a:t>
+            </a:r>
+            <a:r>
+              <a:rPr lang="en-US">
+                <a:effectLst/>
+              </a:rPr>
+              <a:t> </a:t>
+            </a:r>
+            <a:r>
+              <a:rPr lang="en-US" err="1">
+                <a:effectLst/>
+              </a:rPr>
+              <a:t>dịch</a:t>
+            </a:r>
+            <a:r>
+              <a:rPr lang="en-US">
+                <a:effectLst/>
+              </a:rPr>
+              <a:t> </a:t>
+            </a:r>
+            <a:r>
+              <a:rPr lang="en-US" err="1">
+                <a:effectLst/>
+              </a:rPr>
+              <a:t>vụ</a:t>
+            </a:r>
+            <a:r>
+              <a:rPr lang="en-US">
+                <a:effectLst/>
+              </a:rPr>
+              <a:t> y </a:t>
+            </a:r>
+            <a:r>
+              <a:rPr lang="en-US" err="1">
+                <a:effectLst/>
+              </a:rPr>
+              <a:t>tế</a:t>
+            </a:r>
+            <a:r>
+              <a:rPr lang="en-US">
+                <a:effectLst/>
+              </a:rPr>
+              <a:t>, </a:t>
+            </a:r>
+            <a:r>
+              <a:rPr lang="en-US" err="1">
+                <a:effectLst/>
+              </a:rPr>
+              <a:t>đặc</a:t>
+            </a:r>
+            <a:r>
+              <a:rPr lang="en-US">
+                <a:effectLst/>
+              </a:rPr>
+              <a:t> </a:t>
+            </a:r>
+            <a:r>
+              <a:rPr lang="en-US" err="1">
+                <a:effectLst/>
+              </a:rPr>
+              <a:t>biệt</a:t>
+            </a:r>
+            <a:r>
+              <a:rPr lang="en-US">
+                <a:effectLst/>
+              </a:rPr>
+              <a:t> </a:t>
+            </a:r>
+            <a:r>
+              <a:rPr lang="en-US" err="1">
+                <a:effectLst/>
+              </a:rPr>
+              <a:t>là</a:t>
+            </a:r>
+            <a:r>
+              <a:rPr lang="en-US">
+                <a:effectLst/>
+              </a:rPr>
+              <a:t> </a:t>
+            </a:r>
+            <a:r>
+              <a:rPr lang="en-US" err="1">
+                <a:effectLst/>
+              </a:rPr>
+              <a:t>hệ</a:t>
+            </a:r>
+            <a:r>
+              <a:rPr lang="en-US">
+                <a:effectLst/>
+              </a:rPr>
+              <a:t> </a:t>
+            </a:r>
+            <a:r>
+              <a:rPr lang="en-US" err="1">
+                <a:effectLst/>
+              </a:rPr>
+              <a:t>thống</a:t>
+            </a:r>
+            <a:r>
+              <a:rPr lang="en-US">
+                <a:effectLst/>
+              </a:rPr>
+              <a:t> </a:t>
+            </a:r>
+            <a:r>
+              <a:rPr lang="en-US" err="1">
+                <a:effectLst/>
+              </a:rPr>
+              <a:t>đặt</a:t>
+            </a:r>
+            <a:r>
+              <a:rPr lang="en-US">
+                <a:effectLst/>
+              </a:rPr>
+              <a:t> </a:t>
+            </a:r>
+            <a:r>
+              <a:rPr lang="en-US" err="1">
+                <a:effectLst/>
+              </a:rPr>
+              <a:t>lịch</a:t>
+            </a:r>
+            <a:r>
+              <a:rPr lang="en-US">
+                <a:effectLst/>
+              </a:rPr>
+              <a:t> </a:t>
+            </a:r>
+            <a:r>
+              <a:rPr lang="en-US" err="1">
+                <a:effectLst/>
+              </a:rPr>
+              <a:t>khám</a:t>
+            </a:r>
+            <a:r>
+              <a:rPr lang="en-US">
+                <a:effectLst/>
+              </a:rPr>
+              <a:t> </a:t>
+            </a:r>
+            <a:r>
+              <a:rPr lang="en-US" err="1">
+                <a:effectLst/>
+              </a:rPr>
+              <a:t>trực</a:t>
+            </a:r>
+            <a:r>
+              <a:rPr lang="en-US">
+                <a:effectLst/>
+              </a:rPr>
+              <a:t> </a:t>
+            </a:r>
+            <a:r>
+              <a:rPr lang="en-US" err="1">
+                <a:effectLst/>
+              </a:rPr>
+              <a:t>tuyến</a:t>
+            </a:r>
+            <a:r>
+              <a:rPr lang="en-US">
+                <a:effectLst/>
+              </a:rPr>
+              <a:t>, </a:t>
+            </a:r>
+            <a:r>
+              <a:rPr lang="en-US" err="1">
+                <a:effectLst/>
+              </a:rPr>
+              <a:t>đang</a:t>
+            </a:r>
+            <a:r>
+              <a:rPr lang="en-US">
+                <a:effectLst/>
+              </a:rPr>
+              <a:t> </a:t>
+            </a:r>
+            <a:r>
+              <a:rPr lang="en-US" err="1">
+                <a:effectLst/>
+              </a:rPr>
+              <a:t>ngày</a:t>
+            </a:r>
+            <a:r>
+              <a:rPr lang="en-US">
+                <a:effectLst/>
+              </a:rPr>
+              <a:t> </a:t>
+            </a:r>
+            <a:r>
+              <a:rPr lang="en-US" err="1">
+                <a:effectLst/>
+              </a:rPr>
+              <a:t>càng</a:t>
+            </a:r>
+            <a:r>
+              <a:rPr lang="en-US">
+                <a:effectLst/>
+              </a:rPr>
+              <a:t> </a:t>
+            </a:r>
+            <a:r>
+              <a:rPr lang="en-US" err="1">
+                <a:effectLst/>
+              </a:rPr>
+              <a:t>trở</a:t>
+            </a:r>
+            <a:r>
+              <a:rPr lang="en-US">
+                <a:effectLst/>
+              </a:rPr>
+              <a:t> </a:t>
+            </a:r>
+            <a:r>
+              <a:rPr lang="en-US" err="1">
+                <a:effectLst/>
+              </a:rPr>
+              <a:t>nên</a:t>
+            </a:r>
+            <a:r>
+              <a:rPr lang="en-US">
+                <a:effectLst/>
+              </a:rPr>
+              <a:t> </a:t>
+            </a:r>
+            <a:r>
+              <a:rPr lang="en-US" err="1">
+                <a:effectLst/>
+              </a:rPr>
+              <a:t>phổ</a:t>
+            </a:r>
+            <a:r>
+              <a:rPr lang="en-US">
+                <a:effectLst/>
+              </a:rPr>
+              <a:t> </a:t>
+            </a:r>
+            <a:r>
+              <a:rPr lang="en-US" err="1">
+                <a:effectLst/>
+              </a:rPr>
+              <a:t>biến</a:t>
+            </a:r>
+            <a:r>
+              <a:rPr lang="en-US">
+                <a:effectLst/>
+              </a:rPr>
+              <a:t> </a:t>
+            </a:r>
+            <a:r>
+              <a:rPr lang="en-US" err="1">
+                <a:effectLst/>
+              </a:rPr>
+              <a:t>và</a:t>
+            </a:r>
+            <a:r>
+              <a:rPr lang="en-US">
+                <a:effectLst/>
+              </a:rPr>
+              <a:t> </a:t>
+            </a:r>
+            <a:r>
+              <a:rPr lang="en-US" err="1">
+                <a:effectLst/>
+              </a:rPr>
+              <a:t>cần</a:t>
+            </a:r>
+            <a:r>
+              <a:rPr lang="en-US">
+                <a:effectLst/>
+              </a:rPr>
+              <a:t> </a:t>
+            </a:r>
+            <a:r>
+              <a:rPr lang="en-US" err="1">
+                <a:effectLst/>
+              </a:rPr>
+              <a:t>thiết</a:t>
+            </a:r>
+            <a:r>
+              <a:rPr lang="en-US">
+                <a:effectLst/>
+              </a:rPr>
+              <a:t>. </a:t>
+            </a:r>
+            <a:r>
+              <a:rPr lang="en-US" err="1">
+                <a:effectLst/>
+              </a:rPr>
+              <a:t>Việc</a:t>
+            </a:r>
+            <a:r>
+              <a:rPr lang="en-US">
+                <a:effectLst/>
+              </a:rPr>
+              <a:t> </a:t>
+            </a:r>
+            <a:r>
+              <a:rPr lang="en-US" err="1">
+                <a:effectLst/>
+              </a:rPr>
+              <a:t>thiết</a:t>
+            </a:r>
+            <a:r>
+              <a:rPr lang="en-US">
+                <a:effectLst/>
+              </a:rPr>
+              <a:t> </a:t>
+            </a:r>
+            <a:r>
+              <a:rPr lang="en-US" err="1">
+                <a:effectLst/>
+              </a:rPr>
+              <a:t>kế</a:t>
+            </a:r>
+            <a:r>
+              <a:rPr lang="en-US">
+                <a:effectLst/>
+              </a:rPr>
+              <a:t> </a:t>
+            </a:r>
+            <a:r>
+              <a:rPr lang="en-US" err="1">
+                <a:effectLst/>
+              </a:rPr>
+              <a:t>một</a:t>
+            </a:r>
+            <a:r>
+              <a:rPr lang="en-US">
+                <a:effectLst/>
+              </a:rPr>
+              <a:t> </a:t>
+            </a:r>
+            <a:r>
+              <a:rPr lang="en-US" err="1">
+                <a:effectLst/>
+              </a:rPr>
+              <a:t>cơ</a:t>
+            </a:r>
+            <a:r>
+              <a:rPr lang="en-US">
+                <a:effectLst/>
+              </a:rPr>
+              <a:t> </a:t>
+            </a:r>
+            <a:r>
+              <a:rPr lang="en-US" err="1">
+                <a:effectLst/>
+              </a:rPr>
+              <a:t>sở</a:t>
+            </a:r>
+            <a:r>
+              <a:rPr lang="en-US">
+                <a:effectLst/>
+              </a:rPr>
+              <a:t> </a:t>
+            </a:r>
+            <a:r>
+              <a:rPr lang="en-US" err="1">
+                <a:effectLst/>
+              </a:rPr>
+              <a:t>dữ</a:t>
+            </a:r>
+            <a:r>
+              <a:rPr lang="en-US">
+                <a:effectLst/>
+              </a:rPr>
+              <a:t> </a:t>
+            </a:r>
+            <a:r>
+              <a:rPr lang="en-US" err="1">
+                <a:effectLst/>
+              </a:rPr>
+              <a:t>liệu</a:t>
+            </a:r>
+            <a:r>
+              <a:rPr lang="en-US">
+                <a:effectLst/>
+              </a:rPr>
+              <a:t> </a:t>
+            </a:r>
+            <a:r>
+              <a:rPr lang="en-US" err="1">
+                <a:effectLst/>
+              </a:rPr>
+              <a:t>hiệu</a:t>
+            </a:r>
+            <a:r>
+              <a:rPr lang="en-US">
+                <a:effectLst/>
+              </a:rPr>
+              <a:t> </a:t>
+            </a:r>
+            <a:r>
+              <a:rPr lang="en-US" err="1">
+                <a:effectLst/>
+              </a:rPr>
+              <a:t>quả</a:t>
+            </a:r>
+            <a:r>
+              <a:rPr lang="en-US">
+                <a:effectLst/>
+              </a:rPr>
+              <a:t> </a:t>
+            </a:r>
+            <a:r>
+              <a:rPr lang="en-US" err="1">
+                <a:effectLst/>
+              </a:rPr>
+              <a:t>và</a:t>
+            </a:r>
+            <a:r>
+              <a:rPr lang="en-US">
+                <a:effectLst/>
+              </a:rPr>
+              <a:t> an </a:t>
+            </a:r>
+            <a:r>
+              <a:rPr lang="en-US" err="1">
+                <a:effectLst/>
+              </a:rPr>
+              <a:t>toàn</a:t>
+            </a:r>
+            <a:r>
+              <a:rPr lang="en-US">
+                <a:effectLst/>
+              </a:rPr>
+              <a:t> </a:t>
+            </a:r>
+            <a:r>
+              <a:rPr lang="en-US" err="1">
+                <a:effectLst/>
+              </a:rPr>
+              <a:t>cho</a:t>
+            </a:r>
+            <a:r>
+              <a:rPr lang="en-US">
+                <a:effectLst/>
+              </a:rPr>
+              <a:t> </a:t>
+            </a:r>
+            <a:r>
+              <a:rPr lang="en-US" err="1">
+                <a:effectLst/>
+              </a:rPr>
+              <a:t>hệ</a:t>
+            </a:r>
+            <a:r>
+              <a:rPr lang="en-US">
+                <a:effectLst/>
+              </a:rPr>
+              <a:t> </a:t>
+            </a:r>
+            <a:r>
+              <a:rPr lang="en-US" err="1">
+                <a:effectLst/>
+              </a:rPr>
+              <a:t>thống</a:t>
+            </a:r>
+            <a:r>
+              <a:rPr lang="en-US">
+                <a:effectLst/>
+              </a:rPr>
+              <a:t> </a:t>
+            </a:r>
+            <a:r>
+              <a:rPr lang="en-US" err="1">
+                <a:effectLst/>
+              </a:rPr>
+              <a:t>này</a:t>
+            </a:r>
+            <a:r>
+              <a:rPr lang="en-US">
+                <a:effectLst/>
+              </a:rPr>
+              <a:t> </a:t>
+            </a:r>
+            <a:r>
+              <a:rPr lang="en-US" err="1">
+                <a:effectLst/>
+              </a:rPr>
+              <a:t>mang</a:t>
+            </a:r>
+            <a:r>
+              <a:rPr lang="en-US">
+                <a:effectLst/>
+              </a:rPr>
+              <a:t> </a:t>
+            </a:r>
+            <a:r>
+              <a:rPr lang="en-US" err="1">
+                <a:effectLst/>
+              </a:rPr>
+              <a:t>lại</a:t>
+            </a:r>
+            <a:r>
+              <a:rPr lang="en-US">
+                <a:effectLst/>
+              </a:rPr>
+              <a:t> </a:t>
+            </a:r>
+            <a:r>
+              <a:rPr lang="en-US" err="1">
+                <a:effectLst/>
+              </a:rPr>
+              <a:t>nhiều</a:t>
+            </a:r>
+            <a:r>
+              <a:rPr lang="en-US">
+                <a:effectLst/>
+              </a:rPr>
+              <a:t> </a:t>
+            </a:r>
+            <a:r>
+              <a:rPr lang="en-US" err="1">
+                <a:effectLst/>
+              </a:rPr>
+              <a:t>lợi</a:t>
+            </a:r>
+            <a:r>
+              <a:rPr lang="en-US">
+                <a:effectLst/>
+              </a:rPr>
+              <a:t> </a:t>
+            </a:r>
+            <a:r>
+              <a:rPr lang="en-US" err="1">
+                <a:effectLst/>
+              </a:rPr>
+              <a:t>ích</a:t>
+            </a:r>
+            <a:r>
+              <a:rPr lang="en-US">
+                <a:effectLst/>
+              </a:rPr>
+              <a:t> </a:t>
+            </a:r>
+            <a:r>
+              <a:rPr lang="en-US" err="1">
+                <a:effectLst/>
+              </a:rPr>
+              <a:t>quan</a:t>
+            </a:r>
+            <a:r>
+              <a:rPr lang="en-US">
+                <a:effectLst/>
+              </a:rPr>
+              <a:t> </a:t>
+            </a:r>
+            <a:r>
+              <a:rPr lang="en-US" err="1">
+                <a:effectLst/>
+              </a:rPr>
+              <a:t>trọng</a:t>
+            </a:r>
+            <a:r>
+              <a:rPr lang="en-US">
+                <a:effectLst/>
+              </a:rPr>
+              <a:t> </a:t>
+            </a:r>
+            <a:r>
+              <a:rPr lang="en-US" err="1">
+                <a:effectLst/>
+              </a:rPr>
+              <a:t>và</a:t>
+            </a:r>
+            <a:r>
+              <a:rPr lang="en-US">
+                <a:effectLst/>
+              </a:rPr>
+              <a:t> </a:t>
+            </a:r>
+            <a:r>
+              <a:rPr lang="en-US" err="1">
+                <a:effectLst/>
+              </a:rPr>
+              <a:t>cấp</a:t>
+            </a:r>
+            <a:r>
+              <a:rPr lang="en-US">
+                <a:effectLst/>
+              </a:rPr>
+              <a:t> thiết</a:t>
+            </a:r>
+            <a:r>
+              <a:rPr lang="en-US"/>
+              <a:t>.</a:t>
+            </a:r>
+            <a:endParaRPr lang="vi-VN"/>
           </a:p>
         </p:txBody>
       </p:sp>
     </p:spTree>
     <p:extLst>
       <p:ext uri="{BB962C8B-B14F-4D97-AF65-F5344CB8AC3E}">
-        <p14:creationId xmlns:p14="http://schemas.microsoft.com/office/powerpoint/2010/main" val="3248791298"/>
+        <p14:creationId xmlns:p14="http://schemas.microsoft.com/office/powerpoint/2010/main" val="149197932"/>
       </p:ext>
     </p:extLst>
   </p:cSld>
@@ -8487,846 +8664,6 @@
           <p:cNvPr id="2" name="Title 1">
             <a:extLst>
               <a:ext uri="{FF2B5EF4-FFF2-40B4-BE49-F238E27FC236}">
-                <a16:creationId xmlns:a16="http://schemas.microsoft.com/office/drawing/2014/main" id="{ECA97554-7111-B127-8577-8832EEA09F70}"/>
-              </a:ext>
-            </a:extLst>
-          </p:cNvPr>
-          <p:cNvSpPr>
-            <a:spLocks noGrp="1"/>
-          </p:cNvSpPr>
-          <p:nvPr>
-            <p:ph type="title"/>
-          </p:nvPr>
-        </p:nvSpPr>
-        <p:spPr/>
-        <p:txBody>
-          <a:bodyPr/>
-          <a:lstStyle/>
-          <a:p>
-            <a:r>
-              <a:rPr lang="vi-VN" b="1"/>
-              <a:t>TỔNG QUAN</a:t>
-            </a:r>
-          </a:p>
-        </p:txBody>
-      </p:sp>
-      <p:sp>
-        <p:nvSpPr>
-          <p:cNvPr id="3" name="Content Placeholder 2">
-            <a:extLst>
-              <a:ext uri="{FF2B5EF4-FFF2-40B4-BE49-F238E27FC236}">
-                <a16:creationId xmlns:a16="http://schemas.microsoft.com/office/drawing/2014/main" id="{44914FD4-D1E7-D6B1-A944-46F58D6B3137}"/>
-              </a:ext>
-            </a:extLst>
-          </p:cNvPr>
-          <p:cNvSpPr>
-            <a:spLocks noGrp="1"/>
-          </p:cNvSpPr>
-          <p:nvPr>
-            <p:ph idx="1"/>
-          </p:nvPr>
-        </p:nvSpPr>
-        <p:spPr/>
-        <p:txBody>
-          <a:bodyPr>
-            <a:normAutofit fontScale="92500" lnSpcReduction="10000"/>
-          </a:bodyPr>
-          <a:lstStyle/>
-          <a:p>
-            <a:pPr>
-              <a:lnSpc>
-                <a:spcPct val="170000"/>
-              </a:lnSpc>
-            </a:pPr>
-            <a:r>
-              <a:rPr lang="en-US">
-                <a:effectLst/>
-              </a:rPr>
-              <a:t>Trong </a:t>
-            </a:r>
-            <a:r>
-              <a:rPr lang="en-US" err="1">
-                <a:effectLst/>
-              </a:rPr>
-              <a:t>bối</a:t>
-            </a:r>
-            <a:r>
-              <a:rPr lang="en-US">
-                <a:effectLst/>
-              </a:rPr>
-              <a:t> </a:t>
-            </a:r>
-            <a:r>
-              <a:rPr lang="en-US" err="1">
-                <a:effectLst/>
-              </a:rPr>
-              <a:t>cảnh</a:t>
-            </a:r>
-            <a:r>
-              <a:rPr lang="en-US">
-                <a:effectLst/>
-              </a:rPr>
-              <a:t> y </a:t>
-            </a:r>
-            <a:r>
-              <a:rPr lang="en-US" err="1">
-                <a:effectLst/>
-              </a:rPr>
-              <a:t>tế</a:t>
-            </a:r>
-            <a:r>
-              <a:rPr lang="en-US">
-                <a:effectLst/>
-              </a:rPr>
-              <a:t> </a:t>
-            </a:r>
-            <a:r>
-              <a:rPr lang="en-US" err="1">
-                <a:effectLst/>
-              </a:rPr>
-              <a:t>hiện</a:t>
-            </a:r>
-            <a:r>
-              <a:rPr lang="en-US">
-                <a:effectLst/>
-              </a:rPr>
-              <a:t> </a:t>
-            </a:r>
-            <a:r>
-              <a:rPr lang="en-US" err="1">
-                <a:effectLst/>
-              </a:rPr>
-              <a:t>đại</a:t>
-            </a:r>
-            <a:r>
-              <a:rPr lang="en-US">
-                <a:effectLst/>
-              </a:rPr>
-              <a:t>, </a:t>
-            </a:r>
-            <a:r>
-              <a:rPr lang="en-US" err="1">
-                <a:effectLst/>
-              </a:rPr>
-              <a:t>việc</a:t>
-            </a:r>
-            <a:r>
-              <a:rPr lang="en-US">
-                <a:effectLst/>
-              </a:rPr>
-              <a:t> </a:t>
-            </a:r>
-            <a:r>
-              <a:rPr lang="en-US" err="1">
-                <a:effectLst/>
-              </a:rPr>
-              <a:t>ứng</a:t>
-            </a:r>
-            <a:r>
-              <a:rPr lang="en-US">
-                <a:effectLst/>
-              </a:rPr>
-              <a:t> </a:t>
-            </a:r>
-            <a:r>
-              <a:rPr lang="en-US" err="1">
-                <a:effectLst/>
-              </a:rPr>
-              <a:t>dụng</a:t>
-            </a:r>
-            <a:r>
-              <a:rPr lang="en-US">
-                <a:effectLst/>
-              </a:rPr>
-              <a:t> </a:t>
-            </a:r>
-            <a:r>
-              <a:rPr lang="en-US" err="1">
-                <a:effectLst/>
-              </a:rPr>
-              <a:t>công</a:t>
-            </a:r>
-            <a:r>
-              <a:rPr lang="en-US">
-                <a:effectLst/>
-              </a:rPr>
-              <a:t> </a:t>
-            </a:r>
-            <a:r>
-              <a:rPr lang="en-US" err="1">
-                <a:effectLst/>
-              </a:rPr>
-              <a:t>nghệ</a:t>
-            </a:r>
-            <a:r>
-              <a:rPr lang="en-US">
-                <a:effectLst/>
-              </a:rPr>
-              <a:t> </a:t>
-            </a:r>
-            <a:r>
-              <a:rPr lang="en-US" err="1">
-                <a:effectLst/>
-              </a:rPr>
-              <a:t>thông</a:t>
-            </a:r>
-            <a:r>
-              <a:rPr lang="en-US">
-                <a:effectLst/>
-              </a:rPr>
-              <a:t> tin </a:t>
-            </a:r>
-            <a:r>
-              <a:rPr lang="en-US" err="1">
-                <a:effectLst/>
-              </a:rPr>
-              <a:t>vào</a:t>
-            </a:r>
-            <a:r>
-              <a:rPr lang="en-US">
-                <a:effectLst/>
-              </a:rPr>
-              <a:t> </a:t>
-            </a:r>
-            <a:r>
-              <a:rPr lang="en-US" err="1">
-                <a:effectLst/>
-              </a:rPr>
-              <a:t>các</a:t>
-            </a:r>
-            <a:r>
-              <a:rPr lang="en-US">
-                <a:effectLst/>
-              </a:rPr>
-              <a:t> </a:t>
-            </a:r>
-            <a:r>
-              <a:rPr lang="en-US" err="1">
-                <a:effectLst/>
-              </a:rPr>
-              <a:t>dịch</a:t>
-            </a:r>
-            <a:r>
-              <a:rPr lang="en-US">
-                <a:effectLst/>
-              </a:rPr>
-              <a:t> </a:t>
-            </a:r>
-            <a:r>
-              <a:rPr lang="en-US" err="1">
-                <a:effectLst/>
-              </a:rPr>
-              <a:t>vụ</a:t>
-            </a:r>
-            <a:r>
-              <a:rPr lang="en-US">
-                <a:effectLst/>
-              </a:rPr>
-              <a:t> y </a:t>
-            </a:r>
-            <a:r>
-              <a:rPr lang="en-US" err="1">
-                <a:effectLst/>
-              </a:rPr>
-              <a:t>tế</a:t>
-            </a:r>
-            <a:r>
-              <a:rPr lang="en-US">
-                <a:effectLst/>
-              </a:rPr>
-              <a:t>, </a:t>
-            </a:r>
-            <a:r>
-              <a:rPr lang="en-US" err="1">
-                <a:effectLst/>
-              </a:rPr>
-              <a:t>đặc</a:t>
-            </a:r>
-            <a:r>
-              <a:rPr lang="en-US">
-                <a:effectLst/>
-              </a:rPr>
-              <a:t> </a:t>
-            </a:r>
-            <a:r>
-              <a:rPr lang="en-US" err="1">
-                <a:effectLst/>
-              </a:rPr>
-              <a:t>biệt</a:t>
-            </a:r>
-            <a:r>
-              <a:rPr lang="en-US">
-                <a:effectLst/>
-              </a:rPr>
-              <a:t> </a:t>
-            </a:r>
-            <a:r>
-              <a:rPr lang="en-US" err="1">
-                <a:effectLst/>
-              </a:rPr>
-              <a:t>là</a:t>
-            </a:r>
-            <a:r>
-              <a:rPr lang="en-US">
-                <a:effectLst/>
-              </a:rPr>
-              <a:t> </a:t>
-            </a:r>
-            <a:r>
-              <a:rPr lang="en-US" err="1">
-                <a:effectLst/>
-              </a:rPr>
-              <a:t>hệ</a:t>
-            </a:r>
-            <a:r>
-              <a:rPr lang="en-US">
-                <a:effectLst/>
-              </a:rPr>
-              <a:t> </a:t>
-            </a:r>
-            <a:r>
-              <a:rPr lang="en-US" err="1">
-                <a:effectLst/>
-              </a:rPr>
-              <a:t>thống</a:t>
-            </a:r>
-            <a:r>
-              <a:rPr lang="en-US">
-                <a:effectLst/>
-              </a:rPr>
-              <a:t> </a:t>
-            </a:r>
-            <a:r>
-              <a:rPr lang="en-US" err="1">
-                <a:effectLst/>
-              </a:rPr>
-              <a:t>đặt</a:t>
-            </a:r>
-            <a:r>
-              <a:rPr lang="en-US">
-                <a:effectLst/>
-              </a:rPr>
-              <a:t> </a:t>
-            </a:r>
-            <a:r>
-              <a:rPr lang="en-US" err="1">
-                <a:effectLst/>
-              </a:rPr>
-              <a:t>lịch</a:t>
-            </a:r>
-            <a:r>
-              <a:rPr lang="en-US">
-                <a:effectLst/>
-              </a:rPr>
-              <a:t> </a:t>
-            </a:r>
-            <a:r>
-              <a:rPr lang="en-US" err="1">
-                <a:effectLst/>
-              </a:rPr>
-              <a:t>khám</a:t>
-            </a:r>
-            <a:r>
-              <a:rPr lang="en-US">
-                <a:effectLst/>
-              </a:rPr>
-              <a:t> </a:t>
-            </a:r>
-            <a:r>
-              <a:rPr lang="en-US" err="1">
-                <a:effectLst/>
-              </a:rPr>
-              <a:t>trực</a:t>
-            </a:r>
-            <a:r>
-              <a:rPr lang="en-US">
-                <a:effectLst/>
-              </a:rPr>
-              <a:t> </a:t>
-            </a:r>
-            <a:r>
-              <a:rPr lang="en-US" err="1">
-                <a:effectLst/>
-              </a:rPr>
-              <a:t>tuyến</a:t>
-            </a:r>
-            <a:r>
-              <a:rPr lang="en-US">
-                <a:effectLst/>
-              </a:rPr>
-              <a:t>, </a:t>
-            </a:r>
-            <a:r>
-              <a:rPr lang="en-US" err="1">
-                <a:effectLst/>
-              </a:rPr>
-              <a:t>đang</a:t>
-            </a:r>
-            <a:r>
-              <a:rPr lang="en-US">
-                <a:effectLst/>
-              </a:rPr>
-              <a:t> </a:t>
-            </a:r>
-            <a:r>
-              <a:rPr lang="en-US" err="1">
-                <a:effectLst/>
-              </a:rPr>
-              <a:t>ngày</a:t>
-            </a:r>
-            <a:r>
-              <a:rPr lang="en-US">
-                <a:effectLst/>
-              </a:rPr>
-              <a:t> </a:t>
-            </a:r>
-            <a:r>
-              <a:rPr lang="en-US" err="1">
-                <a:effectLst/>
-              </a:rPr>
-              <a:t>càng</a:t>
-            </a:r>
-            <a:r>
-              <a:rPr lang="en-US">
-                <a:effectLst/>
-              </a:rPr>
-              <a:t> </a:t>
-            </a:r>
-            <a:r>
-              <a:rPr lang="en-US" err="1">
-                <a:effectLst/>
-              </a:rPr>
-              <a:t>trở</a:t>
-            </a:r>
-            <a:r>
-              <a:rPr lang="en-US">
-                <a:effectLst/>
-              </a:rPr>
-              <a:t> </a:t>
-            </a:r>
-            <a:r>
-              <a:rPr lang="en-US" err="1">
-                <a:effectLst/>
-              </a:rPr>
-              <a:t>nên</a:t>
-            </a:r>
-            <a:r>
-              <a:rPr lang="en-US">
-                <a:effectLst/>
-              </a:rPr>
-              <a:t> </a:t>
-            </a:r>
-            <a:r>
-              <a:rPr lang="en-US" err="1">
-                <a:effectLst/>
-              </a:rPr>
-              <a:t>phổ</a:t>
-            </a:r>
-            <a:r>
-              <a:rPr lang="en-US">
-                <a:effectLst/>
-              </a:rPr>
-              <a:t> </a:t>
-            </a:r>
-            <a:r>
-              <a:rPr lang="en-US" err="1">
-                <a:effectLst/>
-              </a:rPr>
-              <a:t>biến</a:t>
-            </a:r>
-            <a:r>
-              <a:rPr lang="en-US">
-                <a:effectLst/>
-              </a:rPr>
-              <a:t> </a:t>
-            </a:r>
-            <a:r>
-              <a:rPr lang="en-US" err="1">
-                <a:effectLst/>
-              </a:rPr>
-              <a:t>và</a:t>
-            </a:r>
-            <a:r>
-              <a:rPr lang="en-US">
-                <a:effectLst/>
-              </a:rPr>
-              <a:t> </a:t>
-            </a:r>
-            <a:r>
-              <a:rPr lang="en-US" err="1">
-                <a:effectLst/>
-              </a:rPr>
-              <a:t>cần</a:t>
-            </a:r>
-            <a:r>
-              <a:rPr lang="en-US">
-                <a:effectLst/>
-              </a:rPr>
-              <a:t> </a:t>
-            </a:r>
-            <a:r>
-              <a:rPr lang="en-US" err="1">
-                <a:effectLst/>
-              </a:rPr>
-              <a:t>thiết</a:t>
-            </a:r>
-            <a:r>
-              <a:rPr lang="en-US">
-                <a:effectLst/>
-              </a:rPr>
-              <a:t>. </a:t>
-            </a:r>
-            <a:r>
-              <a:rPr lang="en-US" err="1">
-                <a:effectLst/>
-              </a:rPr>
-              <a:t>Việc</a:t>
-            </a:r>
-            <a:r>
-              <a:rPr lang="en-US">
-                <a:effectLst/>
-              </a:rPr>
-              <a:t> </a:t>
-            </a:r>
-            <a:r>
-              <a:rPr lang="en-US" err="1">
-                <a:effectLst/>
-              </a:rPr>
-              <a:t>thiết</a:t>
-            </a:r>
-            <a:r>
-              <a:rPr lang="en-US">
-                <a:effectLst/>
-              </a:rPr>
-              <a:t> </a:t>
-            </a:r>
-            <a:r>
-              <a:rPr lang="en-US" err="1">
-                <a:effectLst/>
-              </a:rPr>
-              <a:t>kế</a:t>
-            </a:r>
-            <a:r>
-              <a:rPr lang="en-US">
-                <a:effectLst/>
-              </a:rPr>
-              <a:t> </a:t>
-            </a:r>
-            <a:r>
-              <a:rPr lang="en-US" err="1">
-                <a:effectLst/>
-              </a:rPr>
-              <a:t>một</a:t>
-            </a:r>
-            <a:r>
-              <a:rPr lang="en-US">
-                <a:effectLst/>
-              </a:rPr>
-              <a:t> </a:t>
-            </a:r>
-            <a:r>
-              <a:rPr lang="en-US" err="1">
-                <a:effectLst/>
-              </a:rPr>
-              <a:t>cơ</a:t>
-            </a:r>
-            <a:r>
-              <a:rPr lang="en-US">
-                <a:effectLst/>
-              </a:rPr>
-              <a:t> </a:t>
-            </a:r>
-            <a:r>
-              <a:rPr lang="en-US" err="1">
-                <a:effectLst/>
-              </a:rPr>
-              <a:t>sở</a:t>
-            </a:r>
-            <a:r>
-              <a:rPr lang="en-US">
-                <a:effectLst/>
-              </a:rPr>
-              <a:t> </a:t>
-            </a:r>
-            <a:r>
-              <a:rPr lang="en-US" err="1">
-                <a:effectLst/>
-              </a:rPr>
-              <a:t>dữ</a:t>
-            </a:r>
-            <a:r>
-              <a:rPr lang="en-US">
-                <a:effectLst/>
-              </a:rPr>
-              <a:t> </a:t>
-            </a:r>
-            <a:r>
-              <a:rPr lang="en-US" err="1">
-                <a:effectLst/>
-              </a:rPr>
-              <a:t>liệu</a:t>
-            </a:r>
-            <a:r>
-              <a:rPr lang="en-US">
-                <a:effectLst/>
-              </a:rPr>
-              <a:t> </a:t>
-            </a:r>
-            <a:r>
-              <a:rPr lang="en-US" err="1">
-                <a:effectLst/>
-              </a:rPr>
-              <a:t>hiệu</a:t>
-            </a:r>
-            <a:r>
-              <a:rPr lang="en-US">
-                <a:effectLst/>
-              </a:rPr>
-              <a:t> </a:t>
-            </a:r>
-            <a:r>
-              <a:rPr lang="en-US" err="1">
-                <a:effectLst/>
-              </a:rPr>
-              <a:t>quả</a:t>
-            </a:r>
-            <a:r>
-              <a:rPr lang="en-US">
-                <a:effectLst/>
-              </a:rPr>
-              <a:t> </a:t>
-            </a:r>
-            <a:r>
-              <a:rPr lang="en-US" err="1">
-                <a:effectLst/>
-              </a:rPr>
-              <a:t>và</a:t>
-            </a:r>
-            <a:r>
-              <a:rPr lang="en-US">
-                <a:effectLst/>
-              </a:rPr>
-              <a:t> an </a:t>
-            </a:r>
-            <a:r>
-              <a:rPr lang="en-US" err="1">
-                <a:effectLst/>
-              </a:rPr>
-              <a:t>toàn</a:t>
-            </a:r>
-            <a:r>
-              <a:rPr lang="en-US">
-                <a:effectLst/>
-              </a:rPr>
-              <a:t> </a:t>
-            </a:r>
-            <a:r>
-              <a:rPr lang="en-US" err="1">
-                <a:effectLst/>
-              </a:rPr>
-              <a:t>cho</a:t>
-            </a:r>
-            <a:r>
-              <a:rPr lang="en-US">
-                <a:effectLst/>
-              </a:rPr>
-              <a:t> </a:t>
-            </a:r>
-            <a:r>
-              <a:rPr lang="en-US" err="1">
-                <a:effectLst/>
-              </a:rPr>
-              <a:t>hệ</a:t>
-            </a:r>
-            <a:r>
-              <a:rPr lang="en-US">
-                <a:effectLst/>
-              </a:rPr>
-              <a:t> </a:t>
-            </a:r>
-            <a:r>
-              <a:rPr lang="en-US" err="1">
-                <a:effectLst/>
-              </a:rPr>
-              <a:t>thống</a:t>
-            </a:r>
-            <a:r>
-              <a:rPr lang="en-US">
-                <a:effectLst/>
-              </a:rPr>
-              <a:t> </a:t>
-            </a:r>
-            <a:r>
-              <a:rPr lang="en-US" err="1">
-                <a:effectLst/>
-              </a:rPr>
-              <a:t>này</a:t>
-            </a:r>
-            <a:r>
-              <a:rPr lang="en-US">
-                <a:effectLst/>
-              </a:rPr>
-              <a:t> </a:t>
-            </a:r>
-            <a:r>
-              <a:rPr lang="en-US" err="1">
-                <a:effectLst/>
-              </a:rPr>
-              <a:t>mang</a:t>
-            </a:r>
-            <a:r>
-              <a:rPr lang="en-US">
-                <a:effectLst/>
-              </a:rPr>
-              <a:t> </a:t>
-            </a:r>
-            <a:r>
-              <a:rPr lang="en-US" err="1">
-                <a:effectLst/>
-              </a:rPr>
-              <a:t>lại</a:t>
-            </a:r>
-            <a:r>
-              <a:rPr lang="en-US">
-                <a:effectLst/>
-              </a:rPr>
-              <a:t> </a:t>
-            </a:r>
-            <a:r>
-              <a:rPr lang="en-US" err="1">
-                <a:effectLst/>
-              </a:rPr>
-              <a:t>nhiều</a:t>
-            </a:r>
-            <a:r>
-              <a:rPr lang="en-US">
-                <a:effectLst/>
-              </a:rPr>
-              <a:t> </a:t>
-            </a:r>
-            <a:r>
-              <a:rPr lang="en-US" err="1">
-                <a:effectLst/>
-              </a:rPr>
-              <a:t>lợi</a:t>
-            </a:r>
-            <a:r>
-              <a:rPr lang="en-US">
-                <a:effectLst/>
-              </a:rPr>
-              <a:t> </a:t>
-            </a:r>
-            <a:r>
-              <a:rPr lang="en-US" err="1">
-                <a:effectLst/>
-              </a:rPr>
-              <a:t>ích</a:t>
-            </a:r>
-            <a:r>
-              <a:rPr lang="en-US">
-                <a:effectLst/>
-              </a:rPr>
-              <a:t> </a:t>
-            </a:r>
-            <a:r>
-              <a:rPr lang="en-US" err="1">
-                <a:effectLst/>
-              </a:rPr>
-              <a:t>quan</a:t>
-            </a:r>
-            <a:r>
-              <a:rPr lang="en-US">
-                <a:effectLst/>
-              </a:rPr>
-              <a:t> </a:t>
-            </a:r>
-            <a:r>
-              <a:rPr lang="en-US" err="1">
-                <a:effectLst/>
-              </a:rPr>
-              <a:t>trọng</a:t>
-            </a:r>
-            <a:r>
-              <a:rPr lang="en-US">
-                <a:effectLst/>
-              </a:rPr>
-              <a:t> </a:t>
-            </a:r>
-            <a:r>
-              <a:rPr lang="en-US" err="1">
-                <a:effectLst/>
-              </a:rPr>
-              <a:t>và</a:t>
-            </a:r>
-            <a:r>
-              <a:rPr lang="en-US">
-                <a:effectLst/>
-              </a:rPr>
-              <a:t> </a:t>
-            </a:r>
-            <a:r>
-              <a:rPr lang="en-US" err="1">
-                <a:effectLst/>
-              </a:rPr>
-              <a:t>cấp</a:t>
-            </a:r>
-            <a:r>
-              <a:rPr lang="en-US">
-                <a:effectLst/>
-              </a:rPr>
-              <a:t> </a:t>
-            </a:r>
-            <a:r>
-              <a:rPr lang="en-US" err="1">
-                <a:effectLst/>
-              </a:rPr>
-              <a:t>thiết</a:t>
-            </a:r>
-            <a:r>
-              <a:rPr lang="en-US">
-                <a:effectLst/>
-              </a:rPr>
-              <a:t> </a:t>
-            </a:r>
-            <a:endParaRPr lang="vi-VN"/>
-          </a:p>
-        </p:txBody>
-      </p:sp>
-    </p:spTree>
-    <p:extLst>
-      <p:ext uri="{BB962C8B-B14F-4D97-AF65-F5344CB8AC3E}">
-        <p14:creationId xmlns:p14="http://schemas.microsoft.com/office/powerpoint/2010/main" val="149197932"/>
-      </p:ext>
-    </p:extLst>
-  </p:cSld>
-  <p:clrMapOvr>
-    <a:masterClrMapping/>
-  </p:clrMapOvr>
-</p:sld>
-</file>
-
-<file path=ppt/slides/slide5.xml><?xml version="1.0" encoding="utf-8"?>
-<p:sld xmlns:a="http://schemas.openxmlformats.org/drawingml/2006/main" xmlns:r="http://schemas.openxmlformats.org/officeDocument/2006/relationships" xmlns:p="http://schemas.openxmlformats.org/presentationml/2006/main">
-  <p:cSld>
-    <p:spTree>
-      <p:nvGrpSpPr>
-        <p:cNvPr id="1" name=""/>
-        <p:cNvGrpSpPr/>
-        <p:nvPr/>
-      </p:nvGrpSpPr>
-      <p:grpSpPr>
-        <a:xfrm>
-          <a:off x="0" y="0"/>
-          <a:ext cx="0" cy="0"/>
-          <a:chOff x="0" y="0"/>
-          <a:chExt cx="0" cy="0"/>
-        </a:xfrm>
-      </p:grpSpPr>
-      <p:sp>
-        <p:nvSpPr>
-          <p:cNvPr id="2" name="Title 1">
-            <a:extLst>
-              <a:ext uri="{FF2B5EF4-FFF2-40B4-BE49-F238E27FC236}">
                 <a16:creationId xmlns:a16="http://schemas.microsoft.com/office/drawing/2014/main" id="{C47BDD72-9589-2EC6-F73D-E3B713EE6B52}"/>
               </a:ext>
             </a:extLst>
@@ -9429,7 +8766,7 @@
 </p:sld>
 </file>
 
-<file path=ppt/slides/slide6.xml><?xml version="1.0" encoding="utf-8"?>
+<file path=ppt/slides/slide5.xml><?xml version="1.0" encoding="utf-8"?>
 <p:sld xmlns:a="http://schemas.openxmlformats.org/drawingml/2006/main" xmlns:r="http://schemas.openxmlformats.org/officeDocument/2006/relationships" xmlns:p="http://schemas.openxmlformats.org/presentationml/2006/main">
   <p:cSld>
     <p:spTree>
@@ -9581,7 +8918,7 @@
 </p:sld>
 </file>
 
-<file path=ppt/slides/slide7.xml><?xml version="1.0" encoding="utf-8"?>
+<file path=ppt/slides/slide6.xml><?xml version="1.0" encoding="utf-8"?>
 <p:sld xmlns:a="http://schemas.openxmlformats.org/drawingml/2006/main" xmlns:r="http://schemas.openxmlformats.org/officeDocument/2006/relationships" xmlns:p="http://schemas.openxmlformats.org/presentationml/2006/main">
   <p:cSld>
     <p:spTree>
@@ -9773,7 +9110,7 @@
 </p:sld>
 </file>
 
-<file path=ppt/slides/slide8.xml><?xml version="1.0" encoding="utf-8"?>
+<file path=ppt/slides/slide7.xml><?xml version="1.0" encoding="utf-8"?>
 <p:sld xmlns:a="http://schemas.openxmlformats.org/drawingml/2006/main" xmlns:r="http://schemas.openxmlformats.org/officeDocument/2006/relationships" xmlns:p="http://schemas.openxmlformats.org/presentationml/2006/main">
   <p:cSld>
     <p:spTree>
@@ -9884,7 +9221,7 @@
                 <a:latin typeface="+mj-lt"/>
                 <a:ea typeface="Times New Roman" panose="02020603050405020304" pitchFamily="18" charset="0"/>
               </a:rPr>
-              <a:t>Cách thiết kế, triển khai cơ sở dữ liệu;</a:t>
+              <a:t>Cách thiết kế, triển khai cơ sở dữ liệu.</a:t>
             </a:r>
           </a:p>
           <a:p>
@@ -9907,7 +9244,7 @@
                 <a:latin typeface="+mj-lt"/>
                 <a:ea typeface="Times New Roman" panose="02020603050405020304" pitchFamily="18" charset="0"/>
               </a:rPr>
-              <a:t>Cài đặt cơ sở dữ liệu cho hệ thống đặt lịch khám bệnh trực tuyến tại một số bệnh viện </a:t>
+              <a:t>Cài đặt cơ sở dữ liệu cho hệ thống đặt lịch khám bệnh trực tuyến tại một số bệnh viện.</a:t>
             </a:r>
           </a:p>
           <a:p>
@@ -9965,7 +9302,7 @@
 </p:sld>
 </file>
 
-<file path=ppt/slides/slide9.xml><?xml version="1.0" encoding="utf-8"?>
+<file path=ppt/slides/slide8.xml><?xml version="1.0" encoding="utf-8"?>
 <p:sld xmlns:a="http://schemas.openxmlformats.org/drawingml/2006/main" xmlns:r="http://schemas.openxmlformats.org/officeDocument/2006/relationships" xmlns:p="http://schemas.openxmlformats.org/presentationml/2006/main">
   <p:cSld>
     <p:spTree>
@@ -10040,7 +9377,7 @@
         </p:spPr>
         <p:txBody>
           <a:bodyPr>
-            <a:normAutofit lnSpcReduction="10000"/>
+            <a:normAutofit/>
           </a:bodyPr>
           <a:lstStyle/>
           <a:p>
@@ -10076,7 +9413,7 @@
                 <a:latin typeface="+mj-lt"/>
                 <a:ea typeface="Times New Roman" panose="02020603050405020304" pitchFamily="18" charset="0"/>
               </a:rPr>
-              <a:t>Nghiên cứu tài liệu về SQL và hệ quản trị cơ sở dữ liệu quan hệ;</a:t>
+              <a:t>Nghiên cứu tài liệu về SQL và hệ quản trị cơ sở dữ liệu quan hệ.</a:t>
             </a:r>
           </a:p>
           <a:p>
@@ -10099,39 +9436,7 @@
                 <a:latin typeface="+mj-lt"/>
                 <a:ea typeface="Times New Roman" panose="02020603050405020304" pitchFamily="18" charset="0"/>
               </a:rPr>
-              <a:t>Nghiên cứu tài liệu về công cụ thực hiện: SQL </a:t>
-            </a:r>
-            <a:r>
-              <a:rPr lang="vi-VN" err="1">
-                <a:effectLst/>
-                <a:latin typeface="+mj-lt"/>
-                <a:ea typeface="Times New Roman" panose="02020603050405020304" pitchFamily="18" charset="0"/>
-              </a:rPr>
-              <a:t>server</a:t>
-            </a:r>
-            <a:r>
-              <a:rPr lang="vi-VN">
-                <a:effectLst/>
-                <a:latin typeface="+mj-lt"/>
-                <a:ea typeface="Times New Roman" panose="02020603050405020304" pitchFamily="18" charset="0"/>
-              </a:rPr>
-              <a:t>, </a:t>
-            </a:r>
-            <a:r>
-              <a:rPr lang="vi-VN" err="1">
-                <a:effectLst/>
-                <a:latin typeface="+mj-lt"/>
-                <a:ea typeface="Times New Roman" panose="02020603050405020304" pitchFamily="18" charset="0"/>
-              </a:rPr>
-              <a:t>powerdesign</a:t>
-            </a:r>
-            <a:r>
-              <a:rPr lang="vi-VN">
-                <a:effectLst/>
-                <a:latin typeface="+mj-lt"/>
-                <a:ea typeface="Times New Roman" panose="02020603050405020304" pitchFamily="18" charset="0"/>
-              </a:rPr>
-              <a:t>;</a:t>
+              <a:t>Nghiên cứu tài liệu về công cụ thực hiện: SQL Server.</a:t>
             </a:r>
           </a:p>
           <a:p>
@@ -10154,6 +9459,12 @@
                 <a:latin typeface="+mj-lt"/>
                 <a:ea typeface="Times New Roman" panose="02020603050405020304" pitchFamily="18" charset="0"/>
               </a:rPr>
+              <a:t> </a:t>
+            </a:r>
+            <a:r>
+              <a:rPr lang="vi-VN">
+                <a:latin typeface="+mj-lt"/>
+              </a:rPr>
               <a:t>Thực nghiệm: Cài đặt cơ sở dữ liệu cho hệ thống và kiểm thử. </a:t>
             </a:r>
           </a:p>
@@ -10163,6 +9474,135 @@
     <p:extLst>
       <p:ext uri="{BB962C8B-B14F-4D97-AF65-F5344CB8AC3E}">
         <p14:creationId xmlns:p14="http://schemas.microsoft.com/office/powerpoint/2010/main" val="1949979600"/>
+      </p:ext>
+    </p:extLst>
+  </p:cSld>
+  <p:clrMapOvr>
+    <a:masterClrMapping/>
+  </p:clrMapOvr>
+</p:sld>
+</file>
+
+<file path=ppt/slides/slide9.xml><?xml version="1.0" encoding="utf-8"?>
+<p:sld xmlns:a="http://schemas.openxmlformats.org/drawingml/2006/main" xmlns:r="http://schemas.openxmlformats.org/officeDocument/2006/relationships" xmlns:p="http://schemas.openxmlformats.org/presentationml/2006/main">
+  <p:cSld>
+    <p:spTree>
+      <p:nvGrpSpPr>
+        <p:cNvPr id="1" name=""/>
+        <p:cNvGrpSpPr/>
+        <p:nvPr/>
+      </p:nvGrpSpPr>
+      <p:grpSpPr>
+        <a:xfrm>
+          <a:off x="0" y="0"/>
+          <a:ext cx="0" cy="0"/>
+          <a:chOff x="0" y="0"/>
+          <a:chExt cx="0" cy="0"/>
+        </a:xfrm>
+      </p:grpSpPr>
+      <p:sp>
+        <p:nvSpPr>
+          <p:cNvPr id="2" name="Title 1">
+            <a:extLst>
+              <a:ext uri="{FF2B5EF4-FFF2-40B4-BE49-F238E27FC236}">
+                <a16:creationId xmlns:a16="http://schemas.microsoft.com/office/drawing/2014/main" id="{C1E54564-F4C4-647B-C11C-67C152AA5F73}"/>
+              </a:ext>
+            </a:extLst>
+          </p:cNvPr>
+          <p:cNvSpPr>
+            <a:spLocks noGrp="1"/>
+          </p:cNvSpPr>
+          <p:nvPr>
+            <p:ph type="title"/>
+          </p:nvPr>
+        </p:nvSpPr>
+        <p:spPr>
+          <a:xfrm>
+            <a:off x="677334" y="609600"/>
+            <a:ext cx="8596668" cy="904875"/>
+          </a:xfrm>
+        </p:spPr>
+        <p:txBody>
+          <a:bodyPr/>
+          <a:lstStyle/>
+          <a:p>
+            <a:r>
+              <a:rPr lang="vi-VN" b="1"/>
+              <a:t>THỰC HIỆN HÓA ĐỀ TÀI</a:t>
+            </a:r>
+          </a:p>
+        </p:txBody>
+      </p:sp>
+      <p:sp>
+        <p:nvSpPr>
+          <p:cNvPr id="6" name="TextBox 5">
+            <a:extLst>
+              <a:ext uri="{FF2B5EF4-FFF2-40B4-BE49-F238E27FC236}">
+                <a16:creationId xmlns:a16="http://schemas.microsoft.com/office/drawing/2014/main" id="{5DC984C2-B1FC-89B8-0D9F-1FCA5EC0EEE0}"/>
+              </a:ext>
+            </a:extLst>
+          </p:cNvPr>
+          <p:cNvSpPr txBox="1"/>
+          <p:nvPr/>
+        </p:nvSpPr>
+        <p:spPr>
+          <a:xfrm>
+            <a:off x="320718" y="1315227"/>
+            <a:ext cx="5677746" cy="523220"/>
+          </a:xfrm>
+          <a:prstGeom prst="rect">
+            <a:avLst/>
+          </a:prstGeom>
+          <a:noFill/>
+        </p:spPr>
+        <p:txBody>
+          <a:bodyPr wrap="square" rtlCol="0">
+            <a:spAutoFit/>
+          </a:bodyPr>
+          <a:lstStyle/>
+          <a:p>
+            <a:r>
+              <a:rPr lang="vi-VN" sz="2800">
+                <a:latin typeface="+mj-lt"/>
+              </a:rPr>
+              <a:t>Sơ đồ thực thể kết hợp</a:t>
+            </a:r>
+          </a:p>
+        </p:txBody>
+      </p:sp>
+      <p:pic>
+        <p:nvPicPr>
+          <p:cNvPr id="10" name="Content Placeholder 9">
+            <a:extLst>
+              <a:ext uri="{FF2B5EF4-FFF2-40B4-BE49-F238E27FC236}">
+                <a16:creationId xmlns:a16="http://schemas.microsoft.com/office/drawing/2014/main" id="{61BD296C-393D-46F2-6F06-396075B050CD}"/>
+              </a:ext>
+            </a:extLst>
+          </p:cNvPr>
+          <p:cNvPicPr>
+            <a:picLocks noGrp="1" noChangeAspect="1"/>
+          </p:cNvPicPr>
+          <p:nvPr>
+            <p:ph idx="1"/>
+          </p:nvPr>
+        </p:nvPicPr>
+        <p:blipFill>
+          <a:blip r:embed="rId2"/>
+          <a:stretch>
+            <a:fillRect/>
+          </a:stretch>
+        </p:blipFill>
+        <p:spPr>
+          <a:xfrm>
+            <a:off x="612109" y="1424955"/>
+            <a:ext cx="10333259" cy="5291228"/>
+          </a:xfrm>
+        </p:spPr>
+      </p:pic>
+    </p:spTree>
+    <p:extLst>
+      <p:ext uri="{BB962C8B-B14F-4D97-AF65-F5344CB8AC3E}">
+        <p14:creationId xmlns:p14="http://schemas.microsoft.com/office/powerpoint/2010/main" val="3140275282"/>
       </p:ext>
     </p:extLst>
   </p:cSld>
